--- a/Presentation.pptx
+++ b/Presentation.pptx
@@ -10,10 +10,14 @@
     <p:sldId id="258" r:id="rId4"/>
     <p:sldId id="259" r:id="rId5"/>
     <p:sldId id="260" r:id="rId6"/>
-    <p:sldId id="261" r:id="rId7"/>
-    <p:sldId id="263" r:id="rId8"/>
-    <p:sldId id="264" r:id="rId9"/>
-    <p:sldId id="265" r:id="rId10"/>
+    <p:sldId id="266" r:id="rId7"/>
+    <p:sldId id="261" r:id="rId8"/>
+    <p:sldId id="263" r:id="rId9"/>
+    <p:sldId id="264" r:id="rId10"/>
+    <p:sldId id="265" r:id="rId11"/>
+    <p:sldId id="267" r:id="rId12"/>
+    <p:sldId id="269" r:id="rId13"/>
+    <p:sldId id="268" r:id="rId14"/>
   </p:sldIdLst>
   <p:sldSz cx="12192000" cy="6858000"/>
   <p:notesSz cx="6858000" cy="9144000"/>
@@ -267,7 +271,7 @@
           <a:p>
             <a:fld id="{4EC89A84-8874-4C09-96CE-114966570F75}" type="datetimeFigureOut">
               <a:rPr lang="en-US" smtClean="0"/>
-              <a:t>1/13/2022</a:t>
+              <a:t>1/23/2022</a:t>
             </a:fld>
             <a:endParaRPr lang="en-US"/>
           </a:p>
@@ -465,7 +469,7 @@
           <a:p>
             <a:fld id="{4EC89A84-8874-4C09-96CE-114966570F75}" type="datetimeFigureOut">
               <a:rPr lang="en-US" smtClean="0"/>
-              <a:t>1/13/2022</a:t>
+              <a:t>1/23/2022</a:t>
             </a:fld>
             <a:endParaRPr lang="en-US"/>
           </a:p>
@@ -673,7 +677,7 @@
           <a:p>
             <a:fld id="{4EC89A84-8874-4C09-96CE-114966570F75}" type="datetimeFigureOut">
               <a:rPr lang="en-US" smtClean="0"/>
-              <a:t>1/13/2022</a:t>
+              <a:t>1/23/2022</a:t>
             </a:fld>
             <a:endParaRPr lang="en-US"/>
           </a:p>
@@ -871,7 +875,7 @@
           <a:p>
             <a:fld id="{4EC89A84-8874-4C09-96CE-114966570F75}" type="datetimeFigureOut">
               <a:rPr lang="en-US" smtClean="0"/>
-              <a:t>1/13/2022</a:t>
+              <a:t>1/23/2022</a:t>
             </a:fld>
             <a:endParaRPr lang="en-US"/>
           </a:p>
@@ -1146,7 +1150,7 @@
           <a:p>
             <a:fld id="{4EC89A84-8874-4C09-96CE-114966570F75}" type="datetimeFigureOut">
               <a:rPr lang="en-US" smtClean="0"/>
-              <a:t>1/13/2022</a:t>
+              <a:t>1/23/2022</a:t>
             </a:fld>
             <a:endParaRPr lang="en-US"/>
           </a:p>
@@ -1411,7 +1415,7 @@
           <a:p>
             <a:fld id="{4EC89A84-8874-4C09-96CE-114966570F75}" type="datetimeFigureOut">
               <a:rPr lang="en-US" smtClean="0"/>
-              <a:t>1/13/2022</a:t>
+              <a:t>1/23/2022</a:t>
             </a:fld>
             <a:endParaRPr lang="en-US"/>
           </a:p>
@@ -1823,7 +1827,7 @@
           <a:p>
             <a:fld id="{4EC89A84-8874-4C09-96CE-114966570F75}" type="datetimeFigureOut">
               <a:rPr lang="en-US" smtClean="0"/>
-              <a:t>1/13/2022</a:t>
+              <a:t>1/23/2022</a:t>
             </a:fld>
             <a:endParaRPr lang="en-US"/>
           </a:p>
@@ -1964,7 +1968,7 @@
           <a:p>
             <a:fld id="{4EC89A84-8874-4C09-96CE-114966570F75}" type="datetimeFigureOut">
               <a:rPr lang="en-US" smtClean="0"/>
-              <a:t>1/13/2022</a:t>
+              <a:t>1/23/2022</a:t>
             </a:fld>
             <a:endParaRPr lang="en-US"/>
           </a:p>
@@ -2077,7 +2081,7 @@
           <a:p>
             <a:fld id="{4EC89A84-8874-4C09-96CE-114966570F75}" type="datetimeFigureOut">
               <a:rPr lang="en-US" smtClean="0"/>
-              <a:t>1/13/2022</a:t>
+              <a:t>1/23/2022</a:t>
             </a:fld>
             <a:endParaRPr lang="en-US"/>
           </a:p>
@@ -2388,7 +2392,7 @@
           <a:p>
             <a:fld id="{4EC89A84-8874-4C09-96CE-114966570F75}" type="datetimeFigureOut">
               <a:rPr lang="en-US" smtClean="0"/>
-              <a:t>1/13/2022</a:t>
+              <a:t>1/23/2022</a:t>
             </a:fld>
             <a:endParaRPr lang="en-US"/>
           </a:p>
@@ -2676,7 +2680,7 @@
           <a:p>
             <a:fld id="{4EC89A84-8874-4C09-96CE-114966570F75}" type="datetimeFigureOut">
               <a:rPr lang="en-US" smtClean="0"/>
-              <a:t>1/13/2022</a:t>
+              <a:t>1/23/2022</a:t>
             </a:fld>
             <a:endParaRPr lang="en-US"/>
           </a:p>
@@ -2917,7 +2921,7 @@
           <a:p>
             <a:fld id="{4EC89A84-8874-4C09-96CE-114966570F75}" type="datetimeFigureOut">
               <a:rPr lang="en-US" smtClean="0"/>
-              <a:t>1/13/2022</a:t>
+              <a:t>1/23/2022</a:t>
             </a:fld>
             <a:endParaRPr lang="en-US"/>
           </a:p>
@@ -3426,7 +3430,7 @@
 </p:sld>
 </file>
 
-<file path=ppt/slides/slide2.xml><?xml version="1.0" encoding="utf-8"?>
+<file path=ppt/slides/slide10.xml><?xml version="1.0" encoding="utf-8"?>
 <p:sld xmlns:a="http://schemas.openxmlformats.org/drawingml/2006/main" xmlns:r="http://schemas.openxmlformats.org/officeDocument/2006/relationships" xmlns:p="http://schemas.openxmlformats.org/presentationml/2006/main">
   <p:cSld>
     <p:spTree>
@@ -3448,7 +3452,7 @@
           <p:cNvPr id="2" name="Title 1">
             <a:extLst>
               <a:ext uri="{FF2B5EF4-FFF2-40B4-BE49-F238E27FC236}">
-                <a16:creationId xmlns:a16="http://schemas.microsoft.com/office/drawing/2014/main" id="{33E9B4A5-5297-42F5-BE98-6FB0230BE3F2}"/>
+                <a16:creationId xmlns:a16="http://schemas.microsoft.com/office/drawing/2014/main" id="{F01F9041-12FB-4F86-BD17-68E98051F60B}"/>
               </a:ext>
             </a:extLst>
           </p:cNvPr>
@@ -3465,126 +3469,98 @@
           <a:lstStyle/>
           <a:p>
             <a:r>
+              <a:rPr lang="en-US" dirty="0"/>
+              <a:t>Prediction</a:t>
+            </a:r>
+          </a:p>
+        </p:txBody>
+      </p:sp>
+      <p:sp>
+        <p:nvSpPr>
+          <p:cNvPr id="3" name="Content Placeholder 2">
+            <a:extLst>
+              <a:ext uri="{FF2B5EF4-FFF2-40B4-BE49-F238E27FC236}">
+                <a16:creationId xmlns:a16="http://schemas.microsoft.com/office/drawing/2014/main" id="{2D9BFDA0-2BA4-4DA7-BE5B-9EA6045B4B7D}"/>
+              </a:ext>
+            </a:extLst>
+          </p:cNvPr>
+          <p:cNvSpPr>
+            <a:spLocks noGrp="1"/>
+          </p:cNvSpPr>
+          <p:nvPr>
+            <p:ph idx="1"/>
+          </p:nvPr>
+        </p:nvSpPr>
+        <p:spPr>
+          <a:xfrm>
+            <a:off x="838200" y="1825624"/>
+            <a:ext cx="11353800" cy="5032375"/>
+          </a:xfrm>
+        </p:spPr>
+        <p:txBody>
+          <a:bodyPr/>
+          <a:lstStyle/>
+          <a:p>
+            <a:r>
+              <a:rPr lang="en-US" dirty="0"/>
+              <a:t>T-SNE: </a:t>
+            </a:r>
+          </a:p>
+          <a:p>
+            <a:pPr marL="914400" lvl="1" indent="-457200">
+              <a:buFont typeface="+mj-lt"/>
+              <a:buAutoNum type="arabicPeriod"/>
+            </a:pPr>
+            <a:r>
               <a:rPr lang="el-GR" dirty="0"/>
-              <a:t>Δεδομένα</a:t>
-            </a:r>
+              <a:t>Χρησιμοποιεί ευκλείδεια απόσταση σημείων.</a:t>
+            </a:r>
+          </a:p>
+          <a:p>
+            <a:pPr marL="914400" lvl="1" indent="-457200">
+              <a:buFont typeface="+mj-lt"/>
+              <a:buAutoNum type="arabicPeriod"/>
+            </a:pPr>
+            <a:r>
+              <a:rPr lang="el-GR" dirty="0"/>
+              <a:t>Διατηρεί τις συσχετίσεις των σημείων. Δηλαδή αν το Α συσχετίζεται με το Β στο </a:t>
+            </a:r>
+            <a:r>
+              <a:rPr lang="en-US" dirty="0"/>
+              <a:t>high Dimensional space </a:t>
+            </a:r>
+            <a:r>
+              <a:rPr lang="el-GR" dirty="0"/>
+              <a:t>το ίδιο θα ισχύει και στο </a:t>
+            </a:r>
+            <a:r>
+              <a:rPr lang="en-US" dirty="0"/>
+              <a:t>low Dimensional. </a:t>
+            </a:r>
+          </a:p>
+          <a:p>
+            <a:pPr marL="914400" lvl="1" indent="-457200">
+              <a:buFont typeface="+mj-lt"/>
+              <a:buAutoNum type="arabicPeriod"/>
+            </a:pPr>
+            <a:r>
+              <a:rPr lang="el-GR" dirty="0"/>
+              <a:t>Κάνει και για μη-γραμμικά χωρισμένα σημεία.</a:t>
+            </a:r>
+          </a:p>
+          <a:p>
+            <a:pPr marL="914400" lvl="1" indent="-457200">
+              <a:buFont typeface="+mj-lt"/>
+              <a:buAutoNum type="arabicPeriod"/>
+            </a:pPr>
+            <a:endParaRPr lang="el-GR" dirty="0"/>
+          </a:p>
+          <a:p>
+            <a:pPr marL="914400" lvl="1" indent="-457200">
+              <a:buFont typeface="+mj-lt"/>
+              <a:buAutoNum type="arabicPeriod"/>
+            </a:pPr>
             <a:endParaRPr lang="en-US" dirty="0"/>
-          </a:p>
-        </p:txBody>
-      </p:sp>
-      <p:sp>
-        <p:nvSpPr>
-          <p:cNvPr id="3" name="Content Placeholder 2">
-            <a:extLst>
-              <a:ext uri="{FF2B5EF4-FFF2-40B4-BE49-F238E27FC236}">
-                <a16:creationId xmlns:a16="http://schemas.microsoft.com/office/drawing/2014/main" id="{791513DF-B7CA-4B2C-AC87-6581D5134362}"/>
-              </a:ext>
-            </a:extLst>
-          </p:cNvPr>
-          <p:cNvSpPr>
-            <a:spLocks noGrp="1"/>
-          </p:cNvSpPr>
-          <p:nvPr>
-            <p:ph idx="1"/>
-          </p:nvPr>
-        </p:nvSpPr>
-        <p:spPr/>
-        <p:txBody>
-          <a:bodyPr>
-            <a:normAutofit/>
-          </a:bodyPr>
-          <a:lstStyle/>
-          <a:p>
-            <a:r>
-              <a:rPr lang="el-GR" sz="1400" dirty="0"/>
-              <a:t>Τα δεδομένα βρέθηκαν στο </a:t>
-            </a:r>
-            <a:r>
-              <a:rPr lang="en-US" sz="1400" dirty="0"/>
-              <a:t>Kaggle </a:t>
-            </a:r>
-            <a:r>
-              <a:rPr lang="el-GR" sz="1400" dirty="0"/>
-              <a:t>σε μορφή </a:t>
-            </a:r>
-            <a:r>
-              <a:rPr lang="en-US" sz="1400" dirty="0"/>
-              <a:t>CSV.</a:t>
-            </a:r>
-          </a:p>
-          <a:p>
-            <a:r>
-              <a:rPr lang="el-GR" sz="1400" dirty="0"/>
-              <a:t>Πρόκειται για </a:t>
-            </a:r>
-            <a:r>
-              <a:rPr lang="en-US" sz="1400" dirty="0"/>
-              <a:t>tweets</a:t>
-            </a:r>
-            <a:r>
-              <a:rPr lang="el-GR" sz="1400" dirty="0"/>
-              <a:t>, άρα </a:t>
-            </a:r>
-            <a:r>
-              <a:rPr lang="en-US" sz="1400" dirty="0"/>
-              <a:t>texts/Documents.</a:t>
-            </a:r>
-            <a:endParaRPr lang="el-GR" sz="1400" dirty="0"/>
-          </a:p>
-          <a:p>
-            <a:r>
-              <a:rPr lang="el-GR" sz="1400" dirty="0"/>
-              <a:t>Ένα </a:t>
-            </a:r>
-            <a:r>
-              <a:rPr lang="en-US" sz="1400" dirty="0"/>
-              <a:t>train CSV </a:t>
-            </a:r>
-            <a:r>
-              <a:rPr lang="el-GR" sz="1400" dirty="0"/>
-              <a:t>με </a:t>
-            </a:r>
-            <a:r>
-              <a:rPr lang="en-US" sz="1400" dirty="0"/>
-              <a:t>41157 samples &amp; </a:t>
-            </a:r>
-            <a:r>
-              <a:rPr lang="el-GR" sz="1400" dirty="0"/>
-              <a:t>ένα τεστ </a:t>
-            </a:r>
-            <a:r>
-              <a:rPr lang="en-US" sz="1400" dirty="0"/>
-              <a:t>CSV </a:t>
-            </a:r>
-            <a:r>
-              <a:rPr lang="el-GR" sz="1400" dirty="0"/>
-              <a:t>το οποίο χρησιμοποιήθηκε μόνο στο </a:t>
-            </a:r>
-            <a:r>
-              <a:rPr lang="en-US" sz="1400" dirty="0"/>
-              <a:t>testing on Unseen Data </a:t>
-            </a:r>
-            <a:r>
-              <a:rPr lang="el-GR" sz="1400" dirty="0"/>
-              <a:t>με 3798 </a:t>
-            </a:r>
-            <a:r>
-              <a:rPr lang="en-US" sz="1400" dirty="0"/>
-              <a:t>samples.</a:t>
-            </a:r>
-          </a:p>
-          <a:p>
-            <a:r>
-              <a:rPr lang="el-GR" sz="1400" dirty="0"/>
-              <a:t>Έχουμε 3 πιθανά </a:t>
-            </a:r>
-            <a:r>
-              <a:rPr lang="en-US" sz="1400" dirty="0"/>
-              <a:t>class labels : Negative, Neutral &amp; Positive.</a:t>
-            </a:r>
-          </a:p>
-          <a:p>
-            <a:endParaRPr lang="en-US" sz="1400" dirty="0"/>
           </a:p>
         </p:txBody>
       </p:sp>
@@ -3593,7 +3569,7 @@
           <p:cNvPr id="4" name="Picture 3">
             <a:extLst>
               <a:ext uri="{FF2B5EF4-FFF2-40B4-BE49-F238E27FC236}">
-                <a16:creationId xmlns:a16="http://schemas.microsoft.com/office/drawing/2014/main" id="{CFF01705-3550-4371-8DC7-48B4AE139669}"/>
+                <a16:creationId xmlns:a16="http://schemas.microsoft.com/office/drawing/2014/main" id="{3BA071B5-0CA0-438C-BDCE-48993A181D4A}"/>
               </a:ext>
             </a:extLst>
           </p:cNvPr>
@@ -3610,8 +3586,8 @@
         </p:blipFill>
         <p:spPr>
           <a:xfrm>
-            <a:off x="4238815" y="3429000"/>
-            <a:ext cx="4482477" cy="2694638"/>
+            <a:off x="2101975" y="3796237"/>
+            <a:ext cx="8257981" cy="2624018"/>
           </a:xfrm>
           <a:prstGeom prst="rect">
             <a:avLst/>
@@ -3621,7 +3597,7 @@
     </p:spTree>
     <p:extLst>
       <p:ext uri="{BB962C8B-B14F-4D97-AF65-F5344CB8AC3E}">
-        <p14:creationId xmlns:p14="http://schemas.microsoft.com/office/powerpoint/2010/main" val="409290950"/>
+        <p14:creationId xmlns:p14="http://schemas.microsoft.com/office/powerpoint/2010/main" val="1194241846"/>
       </p:ext>
     </p:extLst>
   </p:cSld>
@@ -3631,7 +3607,7 @@
 </p:sld>
 </file>
 
-<file path=ppt/slides/slide3.xml><?xml version="1.0" encoding="utf-8"?>
+<file path=ppt/slides/slide11.xml><?xml version="1.0" encoding="utf-8"?>
 <p:sld xmlns:a="http://schemas.openxmlformats.org/drawingml/2006/main" xmlns:r="http://schemas.openxmlformats.org/officeDocument/2006/relationships" xmlns:p="http://schemas.openxmlformats.org/presentationml/2006/main">
   <p:cSld>
     <p:spTree>
@@ -3653,7 +3629,7 @@
           <p:cNvPr id="2" name="Title 1">
             <a:extLst>
               <a:ext uri="{FF2B5EF4-FFF2-40B4-BE49-F238E27FC236}">
-                <a16:creationId xmlns:a16="http://schemas.microsoft.com/office/drawing/2014/main" id="{C9F8A0EA-9A96-4D5A-8F2D-14DD5D84B816}"/>
+                <a16:creationId xmlns:a16="http://schemas.microsoft.com/office/drawing/2014/main" id="{6B948347-6E28-49B9-A254-0CAB6EC5F614}"/>
               </a:ext>
             </a:extLst>
           </p:cNvPr>
@@ -3670,10 +3646,9 @@
           <a:lstStyle/>
           <a:p>
             <a:r>
-              <a:rPr lang="el-GR" dirty="0"/>
-              <a:t>Επεξεργασία Δεδομένων</a:t>
-            </a:r>
-            <a:endParaRPr lang="en-US" dirty="0"/>
+              <a:rPr lang="en-US" dirty="0"/>
+              <a:t>Binary Classification Task</a:t>
+            </a:r>
           </a:p>
         </p:txBody>
       </p:sp>
@@ -3682,7 +3657,7 @@
           <p:cNvPr id="3" name="Content Placeholder 2">
             <a:extLst>
               <a:ext uri="{FF2B5EF4-FFF2-40B4-BE49-F238E27FC236}">
-                <a16:creationId xmlns:a16="http://schemas.microsoft.com/office/drawing/2014/main" id="{D0D44A28-66F1-49D2-AE3A-50E6C331F36F}"/>
+                <a16:creationId xmlns:a16="http://schemas.microsoft.com/office/drawing/2014/main" id="{A38D47D2-79A8-4659-ADBB-6E54B2DB104D}"/>
               </a:ext>
             </a:extLst>
           </p:cNvPr>
@@ -3693,251 +3668,28 @@
             <p:ph idx="1"/>
           </p:nvPr>
         </p:nvSpPr>
-        <p:spPr>
-          <a:xfrm>
-            <a:off x="838200" y="1825625"/>
-            <a:ext cx="10993016" cy="4351338"/>
-          </a:xfrm>
-        </p:spPr>
+        <p:spPr/>
         <p:txBody>
           <a:bodyPr/>
           <a:lstStyle/>
           <a:p>
-            <a:pPr marL="0" indent="0">
-              <a:buNone/>
-            </a:pPr>
-            <a:r>
-              <a:rPr lang="el-GR" sz="1400" dirty="0"/>
-              <a:t>Για να προκύψουν τα τελικά </a:t>
-            </a:r>
-            <a:r>
-              <a:rPr lang="en-US" sz="1400" dirty="0"/>
-              <a:t>Features </a:t>
-            </a:r>
-            <a:r>
-              <a:rPr lang="el-GR" sz="1400" dirty="0"/>
-              <a:t>με τα οποία θα εκπαιδευτεί ο </a:t>
-            </a:r>
-            <a:r>
-              <a:rPr lang="en-US" sz="1400" dirty="0"/>
-              <a:t>Classifier</a:t>
-            </a:r>
-            <a:r>
-              <a:rPr lang="el-GR" sz="1400" dirty="0"/>
-              <a:t> έγιναν τα παρακάτω βήματα:</a:t>
-            </a:r>
-          </a:p>
-          <a:p>
-            <a:r>
-              <a:rPr lang="en-US" sz="1400" dirty="0"/>
-              <a:t>Lookup </a:t>
-            </a:r>
-            <a:r>
-              <a:rPr lang="el-GR" sz="1400" dirty="0"/>
-              <a:t>σε </a:t>
-            </a:r>
-            <a:r>
-              <a:rPr lang="en-US" sz="1400" dirty="0"/>
-              <a:t>custom dictionaries</a:t>
-            </a:r>
-            <a:r>
-              <a:rPr lang="el-GR" sz="1400" dirty="0"/>
-              <a:t> για την αντικατάσταση ή διαγραφή λέξεων/</a:t>
-            </a:r>
-            <a:r>
-              <a:rPr lang="en-US" sz="1400" dirty="0"/>
-              <a:t>emojis/emoticons</a:t>
-            </a:r>
-          </a:p>
-          <a:p>
-            <a:r>
-              <a:rPr lang="el-GR" sz="1400" dirty="0"/>
-              <a:t>Διαγραφή θορύβου, όπως </a:t>
-            </a:r>
-            <a:r>
-              <a:rPr lang="en-US" sz="1400" dirty="0" err="1"/>
-              <a:t>urls</a:t>
-            </a:r>
-            <a:r>
-              <a:rPr lang="en-US" sz="1400" dirty="0"/>
-              <a:t>, hashtags, mentions, numbers etc.</a:t>
-            </a:r>
-            <a:r>
-              <a:rPr lang="el-GR" sz="1400" dirty="0"/>
-              <a:t> Στην περίπτωση των </a:t>
-            </a:r>
-            <a:r>
-              <a:rPr lang="en-US" sz="1400" dirty="0"/>
-              <a:t>hashtags </a:t>
-            </a:r>
-            <a:r>
-              <a:rPr lang="el-GR" sz="1400" dirty="0"/>
-              <a:t>αφαιρέθηκε απλά το σύμβολο #. Αυτό διότι μπορεί κάποιο από τα </a:t>
-            </a:r>
-            <a:r>
-              <a:rPr lang="en-US" sz="1400" dirty="0"/>
-              <a:t>hashtags </a:t>
-            </a:r>
-            <a:r>
-              <a:rPr lang="el-GR" sz="1400" dirty="0"/>
-              <a:t>να προσφέρουν κάποιο νόημα ως προς το συναίσθημα.  Π.χ. #</a:t>
-            </a:r>
-            <a:r>
-              <a:rPr lang="en-US" sz="1400" dirty="0"/>
-              <a:t>love -&gt; love</a:t>
-            </a:r>
-          </a:p>
-          <a:p>
-            <a:r>
-              <a:rPr lang="en-US" sz="1400" dirty="0"/>
-              <a:t>Tokenization &amp; </a:t>
-            </a:r>
-            <a:r>
-              <a:rPr lang="el-GR" sz="1400" dirty="0"/>
-              <a:t>αφαίρεση </a:t>
-            </a:r>
-            <a:r>
-              <a:rPr lang="en-US" sz="1400" dirty="0" err="1"/>
-              <a:t>stopwords</a:t>
-            </a:r>
-            <a:r>
-              <a:rPr lang="en-US" sz="1400" dirty="0"/>
-              <a:t>.</a:t>
-            </a:r>
-          </a:p>
-          <a:p>
-            <a:r>
-              <a:rPr lang="en-US" sz="1400" dirty="0"/>
-              <a:t>Part of speech tagging </a:t>
-            </a:r>
-            <a:r>
-              <a:rPr lang="el-GR" sz="1400" dirty="0"/>
-              <a:t>για να το χρησιμοποιήσουμε στην διαδικασία του </a:t>
-            </a:r>
-            <a:r>
-              <a:rPr lang="en-US" sz="1400" dirty="0"/>
-              <a:t>Lemmatization.</a:t>
-            </a:r>
-          </a:p>
-          <a:p>
-            <a:r>
-              <a:rPr lang="en-US" sz="1400" dirty="0"/>
-              <a:t>Lemmatization.</a:t>
-            </a:r>
-          </a:p>
-          <a:p>
-            <a:r>
-              <a:rPr lang="el-GR" sz="1400" dirty="0"/>
-              <a:t>Αποθήκευση των </a:t>
-            </a:r>
-            <a:r>
-              <a:rPr lang="en-US" sz="1400" dirty="0"/>
-              <a:t>Cleaned/processed data </a:t>
-            </a:r>
-            <a:r>
-              <a:rPr lang="el-GR" sz="1400" dirty="0"/>
-              <a:t>σε </a:t>
-            </a:r>
-            <a:r>
-              <a:rPr lang="en-US" sz="1400" dirty="0" err="1"/>
-              <a:t>DataFrame</a:t>
-            </a:r>
-            <a:r>
-              <a:rPr lang="en-US" sz="1400" dirty="0"/>
-              <a:t>.</a:t>
-            </a:r>
-          </a:p>
-          <a:p>
-            <a:r>
-              <a:rPr lang="el-GR" sz="1400" dirty="0"/>
-              <a:t>Παραγωγή </a:t>
-            </a:r>
-            <a:r>
-              <a:rPr lang="en-US" sz="1400" dirty="0" err="1"/>
-              <a:t>uni</a:t>
-            </a:r>
-            <a:r>
-              <a:rPr lang="en-US" sz="1400" dirty="0"/>
-              <a:t>-grams &amp; bi-grams:</a:t>
-            </a:r>
-          </a:p>
-          <a:p>
-            <a:pPr lvl="1"/>
-            <a:r>
-              <a:rPr lang="el-GR" sz="1000" dirty="0"/>
-              <a:t>Για παράδειγμα: Πρόταση: '</a:t>
-            </a:r>
-            <a:r>
-              <a:rPr lang="en-US" sz="1000" dirty="0"/>
-              <a:t>I don't like'</a:t>
-            </a:r>
-          </a:p>
-          <a:p>
-            <a:pPr lvl="2"/>
-            <a:r>
-              <a:rPr lang="en-US" sz="1100" dirty="0"/>
-              <a:t>unigrams: I, do, not, like</a:t>
-            </a:r>
-          </a:p>
-          <a:p>
-            <a:pPr lvl="2"/>
-            <a:r>
-              <a:rPr lang="en-US" sz="1100" dirty="0"/>
-              <a:t>bi-grams: I do, do not, not like </a:t>
-            </a:r>
-            <a:r>
-              <a:rPr lang="el-GR" sz="1100" dirty="0"/>
-              <a:t>Όπως βλέπουμε η λέξη </a:t>
-            </a:r>
-            <a:r>
-              <a:rPr lang="en-US" sz="1100" dirty="0"/>
-              <a:t>Like </a:t>
-            </a:r>
-            <a:r>
-              <a:rPr lang="el-GR" sz="1100" dirty="0" err="1"/>
-              <a:t>απο</a:t>
-            </a:r>
-            <a:r>
-              <a:rPr lang="el-GR" sz="1100" dirty="0"/>
-              <a:t> μόνη της δείχνει συνήθως θετικό συναίσθημα </a:t>
-            </a:r>
-            <a:r>
-              <a:rPr lang="el-GR" sz="1100" dirty="0" err="1"/>
-              <a:t>ένω</a:t>
-            </a:r>
-            <a:r>
-              <a:rPr lang="el-GR" sz="1100" dirty="0"/>
-              <a:t> με την λέξη </a:t>
-            </a:r>
-            <a:r>
-              <a:rPr lang="en-US" sz="1100" dirty="0"/>
-              <a:t>Not </a:t>
-            </a:r>
-            <a:r>
-              <a:rPr lang="el-GR" sz="1100" dirty="0"/>
-              <a:t>μπροστά δείχνει αρνητικό.</a:t>
-            </a:r>
-          </a:p>
-          <a:p>
-            <a:r>
-              <a:rPr lang="el-GR" sz="1400" dirty="0"/>
-              <a:t>Μετατροπή των καθαρών πλέον κειμένων σε </a:t>
-            </a:r>
-            <a:r>
-              <a:rPr lang="en-US" sz="1400" dirty="0"/>
-              <a:t>Vectors </a:t>
-            </a:r>
-            <a:r>
-              <a:rPr lang="el-GR" sz="1400" dirty="0"/>
-              <a:t>, με την διαδικασία του </a:t>
-            </a:r>
-            <a:r>
-              <a:rPr lang="en-US" sz="1400" dirty="0"/>
-              <a:t>TF-IDF.</a:t>
-            </a:r>
-          </a:p>
-          <a:p>
-            <a:endParaRPr lang="en-US" sz="1400" dirty="0"/>
+            <a:r>
+              <a:rPr lang="el-GR" dirty="0"/>
+              <a:t>Πραγματοποιήθηκε στα ίδια δεδομένα, ώστε να μπορεί να προβλέπει μόνο το </a:t>
+            </a:r>
+            <a:r>
+              <a:rPr lang="en-US" dirty="0"/>
+              <a:t>Negative &amp; Positive.</a:t>
+            </a:r>
+          </a:p>
+          <a:p>
+            <a:r>
+              <a:rPr lang="el-GR" dirty="0"/>
+              <a:t>Ίδια επεξεργασία.</a:t>
+            </a:r>
+          </a:p>
+          <a:p>
+            <a:endParaRPr lang="en-US" b="1" dirty="0"/>
           </a:p>
         </p:txBody>
       </p:sp>
@@ -3946,7 +3698,7 @@
           <p:cNvPr id="4" name="Picture 3">
             <a:extLst>
               <a:ext uri="{FF2B5EF4-FFF2-40B4-BE49-F238E27FC236}">
-                <a16:creationId xmlns:a16="http://schemas.microsoft.com/office/drawing/2014/main" id="{F391E76E-A70B-4B31-8A18-C19C8B91D35E}"/>
+                <a16:creationId xmlns:a16="http://schemas.microsoft.com/office/drawing/2014/main" id="{188A3112-27AE-4588-8D98-5D26B5EEF0E7}"/>
               </a:ext>
             </a:extLst>
           </p:cNvPr>
@@ -3963,8 +3715,8 @@
         </p:blipFill>
         <p:spPr>
           <a:xfrm>
-            <a:off x="7515846" y="5102125"/>
-            <a:ext cx="4177495" cy="739819"/>
+            <a:off x="2168066" y="3516394"/>
+            <a:ext cx="7677921" cy="1522534"/>
           </a:xfrm>
           <a:prstGeom prst="rect">
             <a:avLst/>
@@ -3974,7 +3726,7 @@
     </p:spTree>
     <p:extLst>
       <p:ext uri="{BB962C8B-B14F-4D97-AF65-F5344CB8AC3E}">
-        <p14:creationId xmlns:p14="http://schemas.microsoft.com/office/powerpoint/2010/main" val="3227466868"/>
+        <p14:creationId xmlns:p14="http://schemas.microsoft.com/office/powerpoint/2010/main" val="38699200"/>
       </p:ext>
     </p:extLst>
   </p:cSld>
@@ -3984,497 +3736,7 @@
 </p:sld>
 </file>
 
-<file path=ppt/slides/slide4.xml><?xml version="1.0" encoding="utf-8"?>
-<p:sld xmlns:a="http://schemas.openxmlformats.org/drawingml/2006/main" xmlns:r="http://schemas.openxmlformats.org/officeDocument/2006/relationships" xmlns:p="http://schemas.openxmlformats.org/presentationml/2006/main">
-  <p:cSld>
-    <p:spTree>
-      <p:nvGrpSpPr>
-        <p:cNvPr id="1" name=""/>
-        <p:cNvGrpSpPr/>
-        <p:nvPr/>
-      </p:nvGrpSpPr>
-      <p:grpSpPr>
-        <a:xfrm>
-          <a:off x="0" y="0"/>
-          <a:ext cx="0" cy="0"/>
-          <a:chOff x="0" y="0"/>
-          <a:chExt cx="0" cy="0"/>
-        </a:xfrm>
-      </p:grpSpPr>
-      <p:sp>
-        <p:nvSpPr>
-          <p:cNvPr id="2" name="Title 1">
-            <a:extLst>
-              <a:ext uri="{FF2B5EF4-FFF2-40B4-BE49-F238E27FC236}">
-                <a16:creationId xmlns:a16="http://schemas.microsoft.com/office/drawing/2014/main" id="{234F870B-AF85-41A1-B0A0-AA03B13C429E}"/>
-              </a:ext>
-            </a:extLst>
-          </p:cNvPr>
-          <p:cNvSpPr>
-            <a:spLocks noGrp="1"/>
-          </p:cNvSpPr>
-          <p:nvPr>
-            <p:ph type="title"/>
-          </p:nvPr>
-        </p:nvSpPr>
-        <p:spPr/>
-        <p:txBody>
-          <a:bodyPr/>
-          <a:lstStyle/>
-          <a:p>
-            <a:r>
-              <a:rPr lang="el-GR" dirty="0"/>
-              <a:t>Μείωση Διαστάσεων</a:t>
-            </a:r>
-            <a:endParaRPr lang="en-US" dirty="0"/>
-          </a:p>
-        </p:txBody>
-      </p:sp>
-      <p:sp>
-        <p:nvSpPr>
-          <p:cNvPr id="3" name="Content Placeholder 2">
-            <a:extLst>
-              <a:ext uri="{FF2B5EF4-FFF2-40B4-BE49-F238E27FC236}">
-                <a16:creationId xmlns:a16="http://schemas.microsoft.com/office/drawing/2014/main" id="{A03960B1-C352-4980-83B1-BE74CA1D21A6}"/>
-              </a:ext>
-            </a:extLst>
-          </p:cNvPr>
-          <p:cNvSpPr>
-            <a:spLocks noGrp="1"/>
-          </p:cNvSpPr>
-          <p:nvPr>
-            <p:ph idx="1"/>
-          </p:nvPr>
-        </p:nvSpPr>
-        <p:spPr>
-          <a:xfrm>
-            <a:off x="838200" y="1825625"/>
-            <a:ext cx="11353800" cy="5000024"/>
-          </a:xfrm>
-        </p:spPr>
-        <p:txBody>
-          <a:bodyPr>
-            <a:normAutofit/>
-          </a:bodyPr>
-          <a:lstStyle/>
-          <a:p>
-            <a:pPr marL="0" indent="0">
-              <a:buNone/>
-            </a:pPr>
-            <a:r>
-              <a:rPr lang="el-GR" sz="1400" dirty="0"/>
-              <a:t>Μετά την εφαρμογή της διαδικασίας </a:t>
-            </a:r>
-            <a:r>
-              <a:rPr lang="en-US" sz="1400" dirty="0"/>
-              <a:t>TF-IDF </a:t>
-            </a:r>
-            <a:r>
-              <a:rPr lang="el-GR" sz="1400" dirty="0"/>
-              <a:t>οι διαστάσεις του </a:t>
-            </a:r>
-            <a:r>
-              <a:rPr lang="en-US" sz="1400" dirty="0"/>
-              <a:t>Vector </a:t>
-            </a:r>
-            <a:r>
-              <a:rPr lang="el-GR" sz="1400" dirty="0"/>
-              <a:t>που αποτελεί την είσοδο στους </a:t>
-            </a:r>
-            <a:r>
-              <a:rPr lang="en-US" sz="1400" dirty="0"/>
-              <a:t>Classifiers </a:t>
-            </a:r>
-            <a:r>
-              <a:rPr lang="el-GR" sz="1400" dirty="0"/>
-              <a:t>είναι (41157,20000). Δηλαδή περιέχει 20000 </a:t>
-            </a:r>
-            <a:r>
-              <a:rPr lang="en-US" sz="1400" dirty="0"/>
-              <a:t>features.</a:t>
-            </a:r>
-          </a:p>
-          <a:p>
-            <a:pPr marL="0" indent="0">
-              <a:buNone/>
-            </a:pPr>
-            <a:r>
-              <a:rPr lang="el-GR" sz="1400" dirty="0"/>
-              <a:t>Για την μείωση εφαρμόστηκε η </a:t>
-            </a:r>
-            <a:r>
-              <a:rPr lang="en-US" sz="1400" dirty="0"/>
-              <a:t>X^2 test </a:t>
-            </a:r>
-            <a:r>
-              <a:rPr lang="el-GR" sz="1400" dirty="0"/>
-              <a:t>στατιστική μέθοδος στην οποία ως </a:t>
-            </a:r>
-            <a:r>
-              <a:rPr lang="en-US" sz="1400" dirty="0"/>
-              <a:t>threshold </a:t>
-            </a:r>
-            <a:r>
-              <a:rPr lang="el-GR" sz="1400" dirty="0"/>
-              <a:t>για την απόρριψη της </a:t>
-            </a:r>
-            <a:r>
-              <a:rPr lang="en-US" sz="1400" dirty="0"/>
-              <a:t>H0</a:t>
-            </a:r>
-            <a:r>
-              <a:rPr lang="el-GR" sz="1400" dirty="0"/>
-              <a:t> ορίστηκε 1-</a:t>
-            </a:r>
-            <a:r>
-              <a:rPr lang="en-US" sz="1400" dirty="0"/>
-              <a:t>p = 5% </a:t>
-            </a:r>
-            <a:r>
-              <a:rPr lang="el-GR" sz="1400" dirty="0"/>
-              <a:t>οτιδήποτε μεγαλύτερο του 1-</a:t>
-            </a:r>
-            <a:r>
-              <a:rPr lang="en-US" sz="1400" dirty="0"/>
-              <a:t>p</a:t>
-            </a:r>
-            <a:r>
-              <a:rPr lang="el-GR" sz="1400" dirty="0"/>
-              <a:t> το κρατάμε.</a:t>
-            </a:r>
-            <a:endParaRPr lang="en-US" sz="1400" dirty="0"/>
-          </a:p>
-          <a:p>
-            <a:pPr marL="0" indent="0">
-              <a:buNone/>
-            </a:pPr>
-            <a:r>
-              <a:rPr lang="el-GR" sz="1400" dirty="0"/>
-              <a:t>Όπου </a:t>
-            </a:r>
-            <a:r>
-              <a:rPr lang="en-US" sz="1400" dirty="0"/>
-              <a:t>p = score </a:t>
-            </a:r>
-            <a:r>
-              <a:rPr lang="el-GR" sz="1400" dirty="0"/>
-              <a:t>που αντιστοιχεί σε πιθανότητα ένα </a:t>
-            </a:r>
-            <a:r>
-              <a:rPr lang="en-US" sz="1400" dirty="0"/>
-              <a:t>feature </a:t>
-            </a:r>
-            <a:r>
-              <a:rPr lang="el-GR" sz="1400" dirty="0"/>
-              <a:t>να βρίσκεται σε κάποια κλάση.</a:t>
-            </a:r>
-          </a:p>
-          <a:p>
-            <a:pPr marL="0" indent="0">
-              <a:buNone/>
-            </a:pPr>
-            <a:r>
-              <a:rPr lang="el-GR" sz="1400" dirty="0"/>
-              <a:t>Επομένως, έγινε ανάκτηση των πιο συνηθισμένων </a:t>
-            </a:r>
-            <a:r>
-              <a:rPr lang="en-US" sz="1400" dirty="0"/>
-              <a:t>feature </a:t>
-            </a:r>
-            <a:r>
-              <a:rPr lang="el-GR" sz="1400" dirty="0"/>
-              <a:t>όπου είναι πιο σχετικά με την κάθε κλάση. Οι τελικές διαστάσεις πλέον είναι: </a:t>
-            </a:r>
-            <a:r>
-              <a:rPr lang="el-GR" sz="1200" dirty="0"/>
-              <a:t>(41157, 1685)</a:t>
-            </a:r>
-            <a:endParaRPr lang="en-US" sz="1200" dirty="0"/>
-          </a:p>
-        </p:txBody>
-      </p:sp>
-      <p:pic>
-        <p:nvPicPr>
-          <p:cNvPr id="5" name="Picture 4">
-            <a:extLst>
-              <a:ext uri="{FF2B5EF4-FFF2-40B4-BE49-F238E27FC236}">
-                <a16:creationId xmlns:a16="http://schemas.microsoft.com/office/drawing/2014/main" id="{FE351340-5C56-4D20-A0BF-EE57D489A02E}"/>
-              </a:ext>
-            </a:extLst>
-          </p:cNvPr>
-          <p:cNvPicPr>
-            <a:picLocks noChangeAspect="1"/>
-          </p:cNvPicPr>
-          <p:nvPr/>
-        </p:nvPicPr>
-        <p:blipFill>
-          <a:blip r:embed="rId2"/>
-          <a:stretch>
-            <a:fillRect/>
-          </a:stretch>
-        </p:blipFill>
-        <p:spPr>
-          <a:xfrm>
-            <a:off x="2439642" y="3429000"/>
-            <a:ext cx="5133010" cy="3222892"/>
-          </a:xfrm>
-          <a:prstGeom prst="rect">
-            <a:avLst/>
-          </a:prstGeom>
-        </p:spPr>
-      </p:pic>
-      <p:sp>
-        <p:nvSpPr>
-          <p:cNvPr id="8" name="TextBox 7">
-            <a:extLst>
-              <a:ext uri="{FF2B5EF4-FFF2-40B4-BE49-F238E27FC236}">
-                <a16:creationId xmlns:a16="http://schemas.microsoft.com/office/drawing/2014/main" id="{CC926766-01E1-4CCB-B0E7-FBC311E296EC}"/>
-              </a:ext>
-            </a:extLst>
-          </p:cNvPr>
-          <p:cNvSpPr txBox="1"/>
-          <p:nvPr/>
-        </p:nvSpPr>
-        <p:spPr>
-          <a:xfrm>
-            <a:off x="8803689" y="3808521"/>
-            <a:ext cx="2612994" cy="2031325"/>
-          </a:xfrm>
-          <a:prstGeom prst="rect">
-            <a:avLst/>
-          </a:prstGeom>
-          <a:noFill/>
-        </p:spPr>
-        <p:txBody>
-          <a:bodyPr wrap="square" rtlCol="0">
-            <a:spAutoFit/>
-          </a:bodyPr>
-          <a:lstStyle/>
-          <a:p>
-            <a:r>
-              <a:rPr lang="el-GR" i="1" dirty="0">
-                <a:solidFill>
-                  <a:schemeClr val="accent1"/>
-                </a:solidFill>
-              </a:rPr>
-              <a:t>Όσο πιο μεγάλο </a:t>
-            </a:r>
-            <a:r>
-              <a:rPr lang="en-US" i="1" dirty="0" err="1">
-                <a:solidFill>
-                  <a:schemeClr val="accent1"/>
-                </a:solidFill>
-              </a:rPr>
-              <a:t>tf-idf</a:t>
-            </a:r>
-            <a:r>
-              <a:rPr lang="en-US" i="1" dirty="0">
-                <a:solidFill>
-                  <a:schemeClr val="accent1"/>
-                </a:solidFill>
-              </a:rPr>
-              <a:t> score </a:t>
-            </a:r>
-            <a:r>
-              <a:rPr lang="el-GR" i="1" dirty="0">
-                <a:solidFill>
-                  <a:schemeClr val="accent1"/>
-                </a:solidFill>
-              </a:rPr>
-              <a:t>τόσο πιο μεγάλη διακριτική δύναμη έχει το </a:t>
-            </a:r>
-            <a:r>
-              <a:rPr lang="en-US" i="1" dirty="0">
-                <a:solidFill>
-                  <a:schemeClr val="accent1"/>
-                </a:solidFill>
-              </a:rPr>
-              <a:t>Feature. </a:t>
-            </a:r>
-            <a:r>
-              <a:rPr lang="el-GR" i="1" dirty="0">
-                <a:solidFill>
-                  <a:schemeClr val="accent1"/>
-                </a:solidFill>
-              </a:rPr>
-              <a:t>Δηλαδή εμφανίστηκαν πολλές φορές σε λίγα </a:t>
-            </a:r>
-            <a:r>
-              <a:rPr lang="en-US" i="1" dirty="0">
-                <a:solidFill>
-                  <a:schemeClr val="accent1"/>
-                </a:solidFill>
-              </a:rPr>
-              <a:t>documents.</a:t>
-            </a:r>
-          </a:p>
-        </p:txBody>
-      </p:sp>
-    </p:spTree>
-    <p:extLst>
-      <p:ext uri="{BB962C8B-B14F-4D97-AF65-F5344CB8AC3E}">
-        <p14:creationId xmlns:p14="http://schemas.microsoft.com/office/powerpoint/2010/main" val="4285456964"/>
-      </p:ext>
-    </p:extLst>
-  </p:cSld>
-  <p:clrMapOvr>
-    <a:masterClrMapping/>
-  </p:clrMapOvr>
-</p:sld>
-</file>
-
-<file path=ppt/slides/slide5.xml><?xml version="1.0" encoding="utf-8"?>
-<p:sld xmlns:a="http://schemas.openxmlformats.org/drawingml/2006/main" xmlns:r="http://schemas.openxmlformats.org/officeDocument/2006/relationships" xmlns:p="http://schemas.openxmlformats.org/presentationml/2006/main">
-  <p:cSld>
-    <p:spTree>
-      <p:nvGrpSpPr>
-        <p:cNvPr id="1" name=""/>
-        <p:cNvGrpSpPr/>
-        <p:nvPr/>
-      </p:nvGrpSpPr>
-      <p:grpSpPr>
-        <a:xfrm>
-          <a:off x="0" y="0"/>
-          <a:ext cx="0" cy="0"/>
-          <a:chOff x="0" y="0"/>
-          <a:chExt cx="0" cy="0"/>
-        </a:xfrm>
-      </p:grpSpPr>
-      <p:sp>
-        <p:nvSpPr>
-          <p:cNvPr id="2" name="Title 1">
-            <a:extLst>
-              <a:ext uri="{FF2B5EF4-FFF2-40B4-BE49-F238E27FC236}">
-                <a16:creationId xmlns:a16="http://schemas.microsoft.com/office/drawing/2014/main" id="{E4985E71-7950-44D0-A20A-E1A1A2D3F31E}"/>
-              </a:ext>
-            </a:extLst>
-          </p:cNvPr>
-          <p:cNvSpPr>
-            <a:spLocks noGrp="1"/>
-          </p:cNvSpPr>
-          <p:nvPr>
-            <p:ph type="title"/>
-          </p:nvPr>
-        </p:nvSpPr>
-        <p:spPr/>
-        <p:txBody>
-          <a:bodyPr/>
-          <a:lstStyle/>
-          <a:p>
-            <a:r>
-              <a:rPr lang="en-US" dirty="0"/>
-              <a:t>Classifiers</a:t>
-            </a:r>
-          </a:p>
-        </p:txBody>
-      </p:sp>
-      <p:sp>
-        <p:nvSpPr>
-          <p:cNvPr id="3" name="Content Placeholder 2">
-            <a:extLst>
-              <a:ext uri="{FF2B5EF4-FFF2-40B4-BE49-F238E27FC236}">
-                <a16:creationId xmlns:a16="http://schemas.microsoft.com/office/drawing/2014/main" id="{3388CBAC-8E2B-40B5-8365-08363515019B}"/>
-              </a:ext>
-            </a:extLst>
-          </p:cNvPr>
-          <p:cNvSpPr>
-            <a:spLocks noGrp="1"/>
-          </p:cNvSpPr>
-          <p:nvPr>
-            <p:ph idx="1"/>
-          </p:nvPr>
-        </p:nvSpPr>
-        <p:spPr/>
-        <p:txBody>
-          <a:bodyPr>
-            <a:normAutofit/>
-          </a:bodyPr>
-          <a:lstStyle/>
-          <a:p>
-            <a:r>
-              <a:rPr lang="el-GR" sz="1400" dirty="0"/>
-              <a:t>Οι παράμετροι των αλγορίθμων επιλέχθηκαν με την διαδικασία του </a:t>
-            </a:r>
-            <a:r>
-              <a:rPr lang="en-US" sz="1400" dirty="0" err="1"/>
-              <a:t>GridSearchCV</a:t>
-            </a:r>
-            <a:r>
-              <a:rPr lang="en-US" sz="1400" dirty="0"/>
-              <a:t> </a:t>
-            </a:r>
-            <a:r>
-              <a:rPr lang="el-GR" sz="1400" dirty="0"/>
-              <a:t>το οποίο κάνει και ταυτόχρονα </a:t>
-            </a:r>
-            <a:r>
-              <a:rPr lang="en-US" sz="1400" dirty="0" err="1"/>
-              <a:t>Kfold</a:t>
-            </a:r>
-            <a:r>
-              <a:rPr lang="en-US" sz="1400" dirty="0"/>
-              <a:t> Cross-Validation </a:t>
-            </a:r>
-            <a:r>
-              <a:rPr lang="el-GR" sz="1400" dirty="0"/>
-              <a:t>με </a:t>
-            </a:r>
-            <a:r>
-              <a:rPr lang="en-US" sz="1400" dirty="0"/>
-              <a:t>K=5.</a:t>
-            </a:r>
-          </a:p>
-          <a:p>
-            <a:r>
-              <a:rPr lang="el-GR" sz="1400" dirty="0"/>
-              <a:t>Για τα πειράματα εκπαιδεύτηκαν:</a:t>
-            </a:r>
-          </a:p>
-          <a:p>
-            <a:pPr lvl="1"/>
-            <a:r>
-              <a:rPr lang="en-US" sz="1400" dirty="0"/>
-              <a:t>SVM : RBF kernel, C=1000, gamma=auto</a:t>
-            </a:r>
-          </a:p>
-          <a:p>
-            <a:pPr lvl="1"/>
-            <a:r>
-              <a:rPr lang="en-US" sz="1400" dirty="0"/>
-              <a:t>Logistic Regression: solver=newton-cg, C=10, </a:t>
-            </a:r>
-            <a:r>
-              <a:rPr lang="en-US" sz="1400" dirty="0" err="1"/>
-              <a:t>max_iter</a:t>
-            </a:r>
-            <a:r>
-              <a:rPr lang="en-US" sz="1400" dirty="0"/>
-              <a:t>=200</a:t>
-            </a:r>
-          </a:p>
-          <a:p>
-            <a:pPr lvl="1"/>
-            <a:r>
-              <a:rPr lang="en-US" sz="1400" dirty="0"/>
-              <a:t>Naïve Bayes: alpha=0.70001</a:t>
-            </a:r>
-          </a:p>
-        </p:txBody>
-      </p:sp>
-    </p:spTree>
-    <p:extLst>
-      <p:ext uri="{BB962C8B-B14F-4D97-AF65-F5344CB8AC3E}">
-        <p14:creationId xmlns:p14="http://schemas.microsoft.com/office/powerpoint/2010/main" val="4097515087"/>
-      </p:ext>
-    </p:extLst>
-  </p:cSld>
-  <p:clrMapOvr>
-    <a:masterClrMapping/>
-  </p:clrMapOvr>
-</p:sld>
-</file>
-
-<file path=ppt/slides/slide6.xml><?xml version="1.0" encoding="utf-8"?>
+<file path=ppt/slides/slide12.xml><?xml version="1.0" encoding="utf-8"?>
 <p:sld xmlns:a="http://schemas.openxmlformats.org/drawingml/2006/main" xmlns:r="http://schemas.openxmlformats.org/officeDocument/2006/relationships" xmlns:p="http://schemas.openxmlformats.org/presentationml/2006/main">
   <p:cSld>
     <p:bg>
@@ -4590,7 +3852,7 @@
             <a:pPr algn="ctr"/>
             <a:r>
               <a:rPr lang="en-US" sz="6600" dirty="0"/>
-              <a:t>Metrics(1/2)</a:t>
+              <a:t>Metrics</a:t>
             </a:r>
           </a:p>
         </p:txBody>
@@ -4627,7 +3889,7 @@
               <a:buNone/>
             </a:pPr>
             <a:r>
-              <a:rPr lang="en-US" sz="2400"/>
+              <a:rPr lang="en-US" sz="2400" dirty="0"/>
               <a:t>SVM					LR				Naïve Bayes</a:t>
             </a:r>
           </a:p>
@@ -5008,10 +4270,10 @@
       </p:sp>
       <p:pic>
         <p:nvPicPr>
-          <p:cNvPr id="7" name="Picture 6" descr="Chart&#10;&#10;Description automatically generated">
-            <a:extLst>
-              <a:ext uri="{FF2B5EF4-FFF2-40B4-BE49-F238E27FC236}">
-                <a16:creationId xmlns:a16="http://schemas.microsoft.com/office/drawing/2014/main" id="{D88E415D-2F61-43E0-B2F3-C6F165DE5182}"/>
+          <p:cNvPr id="4" name="Picture 3">
+            <a:extLst>
+              <a:ext uri="{FF2B5EF4-FFF2-40B4-BE49-F238E27FC236}">
+                <a16:creationId xmlns:a16="http://schemas.microsoft.com/office/drawing/2014/main" id="{47542F00-A3D4-498C-B464-415094A90F29}"/>
               </a:ext>
             </a:extLst>
           </p:cNvPr>
@@ -5028,8 +4290,8 @@
         </p:blipFill>
         <p:spPr>
           <a:xfrm>
-            <a:off x="8799576" y="2653940"/>
-            <a:ext cx="2538028" cy="3600041"/>
+            <a:off x="301558" y="2333717"/>
+            <a:ext cx="2811415" cy="3668414"/>
           </a:xfrm>
           <a:prstGeom prst="rect">
             <a:avLst/>
@@ -5038,10 +4300,10 @@
       </p:pic>
       <p:pic>
         <p:nvPicPr>
-          <p:cNvPr id="6" name="Picture 5" descr="Chart, line chart&#10;&#10;Description automatically generated">
-            <a:extLst>
-              <a:ext uri="{FF2B5EF4-FFF2-40B4-BE49-F238E27FC236}">
-                <a16:creationId xmlns:a16="http://schemas.microsoft.com/office/drawing/2014/main" id="{5F6E3E52-6592-4520-9BD8-114E6D7E925A}"/>
+          <p:cNvPr id="5" name="Picture 4">
+            <a:extLst>
+              <a:ext uri="{FF2B5EF4-FFF2-40B4-BE49-F238E27FC236}">
+                <a16:creationId xmlns:a16="http://schemas.microsoft.com/office/drawing/2014/main" id="{E3DBE2F2-B1CD-4F52-BBF9-DD033675E193}"/>
               </a:ext>
             </a:extLst>
           </p:cNvPr>
@@ -5058,8 +4320,8 @@
         </p:blipFill>
         <p:spPr>
           <a:xfrm>
-            <a:off x="598796" y="2587741"/>
-            <a:ext cx="2601029" cy="3600041"/>
+            <a:off x="8535526" y="2404040"/>
+            <a:ext cx="3012995" cy="3668414"/>
           </a:xfrm>
           <a:prstGeom prst="rect">
             <a:avLst/>
@@ -5068,10 +4330,10 @@
       </p:pic>
       <p:pic>
         <p:nvPicPr>
-          <p:cNvPr id="8" name="Picture 7" descr="Chart&#10;&#10;Description automatically generated">
-            <a:extLst>
-              <a:ext uri="{FF2B5EF4-FFF2-40B4-BE49-F238E27FC236}">
-                <a16:creationId xmlns:a16="http://schemas.microsoft.com/office/drawing/2014/main" id="{7D1D0243-875B-40BF-A841-80578030F563}"/>
+          <p:cNvPr id="10" name="Picture 9">
+            <a:extLst>
+              <a:ext uri="{FF2B5EF4-FFF2-40B4-BE49-F238E27FC236}">
+                <a16:creationId xmlns:a16="http://schemas.microsoft.com/office/drawing/2014/main" id="{AE27F557-DBF7-42B2-B353-0C24F9DAEE30}"/>
               </a:ext>
             </a:extLst>
           </p:cNvPr>
@@ -5088,8 +4350,8 @@
         </p:blipFill>
         <p:spPr>
           <a:xfrm>
-            <a:off x="4725686" y="2587741"/>
-            <a:ext cx="2736030" cy="3600041"/>
+            <a:off x="4587203" y="2333717"/>
+            <a:ext cx="3012995" cy="3875070"/>
           </a:xfrm>
           <a:prstGeom prst="rect">
             <a:avLst/>
@@ -5098,10 +4360,10 @@
       </p:pic>
       <p:pic>
         <p:nvPicPr>
-          <p:cNvPr id="9" name="Picture 8">
-            <a:extLst>
-              <a:ext uri="{FF2B5EF4-FFF2-40B4-BE49-F238E27FC236}">
-                <a16:creationId xmlns:a16="http://schemas.microsoft.com/office/drawing/2014/main" id="{D3B0F542-128A-48B6-A7C5-EA69F56FD3E7}"/>
+          <p:cNvPr id="11" name="Picture 10">
+            <a:extLst>
+              <a:ext uri="{FF2B5EF4-FFF2-40B4-BE49-F238E27FC236}">
+                <a16:creationId xmlns:a16="http://schemas.microsoft.com/office/drawing/2014/main" id="{C5A24AAA-7553-4247-8FF1-F9ED6586AEE7}"/>
               </a:ext>
             </a:extLst>
           </p:cNvPr>
@@ -5118,8 +4380,8 @@
         </p:blipFill>
         <p:spPr>
           <a:xfrm>
-            <a:off x="4051173" y="6187782"/>
-            <a:ext cx="3800475" cy="638175"/>
+            <a:off x="3981754" y="6187782"/>
+            <a:ext cx="3800475" cy="628650"/>
           </a:xfrm>
           <a:prstGeom prst="rect">
             <a:avLst/>
@@ -5129,7 +4391,1689 @@
     </p:spTree>
     <p:extLst>
       <p:ext uri="{BB962C8B-B14F-4D97-AF65-F5344CB8AC3E}">
-        <p14:creationId xmlns:p14="http://schemas.microsoft.com/office/powerpoint/2010/main" val="2092823903"/>
+        <p14:creationId xmlns:p14="http://schemas.microsoft.com/office/powerpoint/2010/main" val="3603894142"/>
+      </p:ext>
+    </p:extLst>
+  </p:cSld>
+  <p:clrMapOvr>
+    <a:masterClrMapping/>
+  </p:clrMapOvr>
+</p:sld>
+</file>
+
+<file path=ppt/slides/slide13.xml><?xml version="1.0" encoding="utf-8"?>
+<p:sld xmlns:a="http://schemas.openxmlformats.org/drawingml/2006/main" xmlns:r="http://schemas.openxmlformats.org/officeDocument/2006/relationships" xmlns:p="http://schemas.openxmlformats.org/presentationml/2006/main">
+  <p:cSld>
+    <p:spTree>
+      <p:nvGrpSpPr>
+        <p:cNvPr id="1" name=""/>
+        <p:cNvGrpSpPr/>
+        <p:nvPr/>
+      </p:nvGrpSpPr>
+      <p:grpSpPr>
+        <a:xfrm>
+          <a:off x="0" y="0"/>
+          <a:ext cx="0" cy="0"/>
+          <a:chOff x="0" y="0"/>
+          <a:chExt cx="0" cy="0"/>
+        </a:xfrm>
+      </p:grpSpPr>
+      <p:sp>
+        <p:nvSpPr>
+          <p:cNvPr id="2" name="Title 1">
+            <a:extLst>
+              <a:ext uri="{FF2B5EF4-FFF2-40B4-BE49-F238E27FC236}">
+                <a16:creationId xmlns:a16="http://schemas.microsoft.com/office/drawing/2014/main" id="{3CDF0894-CAA3-49EC-866A-5DC5A648F5D9}"/>
+              </a:ext>
+            </a:extLst>
+          </p:cNvPr>
+          <p:cNvSpPr>
+            <a:spLocks noGrp="1"/>
+          </p:cNvSpPr>
+          <p:nvPr>
+            <p:ph type="title"/>
+          </p:nvPr>
+        </p:nvSpPr>
+        <p:spPr/>
+        <p:txBody>
+          <a:bodyPr/>
+          <a:lstStyle/>
+          <a:p>
+            <a:r>
+              <a:rPr lang="en-US" dirty="0"/>
+              <a:t>T-SNE for Binary Task</a:t>
+            </a:r>
+          </a:p>
+        </p:txBody>
+      </p:sp>
+      <p:sp>
+        <p:nvSpPr>
+          <p:cNvPr id="3" name="Content Placeholder 2">
+            <a:extLst>
+              <a:ext uri="{FF2B5EF4-FFF2-40B4-BE49-F238E27FC236}">
+                <a16:creationId xmlns:a16="http://schemas.microsoft.com/office/drawing/2014/main" id="{81C5BA3A-F184-4187-A769-073CA0A8D38F}"/>
+              </a:ext>
+            </a:extLst>
+          </p:cNvPr>
+          <p:cNvSpPr>
+            <a:spLocks noGrp="1"/>
+          </p:cNvSpPr>
+          <p:nvPr>
+            <p:ph idx="1"/>
+          </p:nvPr>
+        </p:nvSpPr>
+        <p:spPr/>
+        <p:txBody>
+          <a:bodyPr/>
+          <a:lstStyle/>
+          <a:p>
+            <a:endParaRPr lang="en-US"/>
+          </a:p>
+        </p:txBody>
+      </p:sp>
+      <p:pic>
+        <p:nvPicPr>
+          <p:cNvPr id="4" name="Picture 3">
+            <a:extLst>
+              <a:ext uri="{FF2B5EF4-FFF2-40B4-BE49-F238E27FC236}">
+                <a16:creationId xmlns:a16="http://schemas.microsoft.com/office/drawing/2014/main" id="{DDCDD347-5B71-419F-85FE-F0945CFD104E}"/>
+              </a:ext>
+            </a:extLst>
+          </p:cNvPr>
+          <p:cNvPicPr>
+            <a:picLocks noChangeAspect="1"/>
+          </p:cNvPicPr>
+          <p:nvPr/>
+        </p:nvPicPr>
+        <p:blipFill>
+          <a:blip r:embed="rId2"/>
+          <a:stretch>
+            <a:fillRect/>
+          </a:stretch>
+        </p:blipFill>
+        <p:spPr>
+          <a:xfrm>
+            <a:off x="2229025" y="2491396"/>
+            <a:ext cx="7057682" cy="3320370"/>
+          </a:xfrm>
+          <a:prstGeom prst="rect">
+            <a:avLst/>
+          </a:prstGeom>
+        </p:spPr>
+      </p:pic>
+    </p:spTree>
+    <p:extLst>
+      <p:ext uri="{BB962C8B-B14F-4D97-AF65-F5344CB8AC3E}">
+        <p14:creationId xmlns:p14="http://schemas.microsoft.com/office/powerpoint/2010/main" val="808247620"/>
+      </p:ext>
+    </p:extLst>
+  </p:cSld>
+  <p:clrMapOvr>
+    <a:masterClrMapping/>
+  </p:clrMapOvr>
+</p:sld>
+</file>
+
+<file path=ppt/slides/slide2.xml><?xml version="1.0" encoding="utf-8"?>
+<p:sld xmlns:a="http://schemas.openxmlformats.org/drawingml/2006/main" xmlns:r="http://schemas.openxmlformats.org/officeDocument/2006/relationships" xmlns:p="http://schemas.openxmlformats.org/presentationml/2006/main">
+  <p:cSld>
+    <p:spTree>
+      <p:nvGrpSpPr>
+        <p:cNvPr id="1" name=""/>
+        <p:cNvGrpSpPr/>
+        <p:nvPr/>
+      </p:nvGrpSpPr>
+      <p:grpSpPr>
+        <a:xfrm>
+          <a:off x="0" y="0"/>
+          <a:ext cx="0" cy="0"/>
+          <a:chOff x="0" y="0"/>
+          <a:chExt cx="0" cy="0"/>
+        </a:xfrm>
+      </p:grpSpPr>
+      <p:sp>
+        <p:nvSpPr>
+          <p:cNvPr id="2" name="Title 1">
+            <a:extLst>
+              <a:ext uri="{FF2B5EF4-FFF2-40B4-BE49-F238E27FC236}">
+                <a16:creationId xmlns:a16="http://schemas.microsoft.com/office/drawing/2014/main" id="{33E9B4A5-5297-42F5-BE98-6FB0230BE3F2}"/>
+              </a:ext>
+            </a:extLst>
+          </p:cNvPr>
+          <p:cNvSpPr>
+            <a:spLocks noGrp="1"/>
+          </p:cNvSpPr>
+          <p:nvPr>
+            <p:ph type="title"/>
+          </p:nvPr>
+        </p:nvSpPr>
+        <p:spPr/>
+        <p:txBody>
+          <a:bodyPr/>
+          <a:lstStyle/>
+          <a:p>
+            <a:r>
+              <a:rPr lang="el-GR" dirty="0"/>
+              <a:t>Δεδομένα</a:t>
+            </a:r>
+            <a:endParaRPr lang="en-US" dirty="0"/>
+          </a:p>
+        </p:txBody>
+      </p:sp>
+      <p:sp>
+        <p:nvSpPr>
+          <p:cNvPr id="3" name="Content Placeholder 2">
+            <a:extLst>
+              <a:ext uri="{FF2B5EF4-FFF2-40B4-BE49-F238E27FC236}">
+                <a16:creationId xmlns:a16="http://schemas.microsoft.com/office/drawing/2014/main" id="{791513DF-B7CA-4B2C-AC87-6581D5134362}"/>
+              </a:ext>
+            </a:extLst>
+          </p:cNvPr>
+          <p:cNvSpPr>
+            <a:spLocks noGrp="1"/>
+          </p:cNvSpPr>
+          <p:nvPr>
+            <p:ph idx="1"/>
+          </p:nvPr>
+        </p:nvSpPr>
+        <p:spPr/>
+        <p:txBody>
+          <a:bodyPr>
+            <a:normAutofit/>
+          </a:bodyPr>
+          <a:lstStyle/>
+          <a:p>
+            <a:r>
+              <a:rPr lang="el-GR" sz="1400" dirty="0"/>
+              <a:t>Τα δεδομένα βρέθηκαν στο </a:t>
+            </a:r>
+            <a:r>
+              <a:rPr lang="en-US" sz="1400" dirty="0"/>
+              <a:t>Kaggle </a:t>
+            </a:r>
+            <a:r>
+              <a:rPr lang="el-GR" sz="1400" dirty="0"/>
+              <a:t>σε μορφή </a:t>
+            </a:r>
+            <a:r>
+              <a:rPr lang="en-US" sz="1400" dirty="0"/>
+              <a:t>CSV.</a:t>
+            </a:r>
+          </a:p>
+          <a:p>
+            <a:r>
+              <a:rPr lang="el-GR" sz="1400" dirty="0"/>
+              <a:t>Πρόκειται για </a:t>
+            </a:r>
+            <a:r>
+              <a:rPr lang="en-US" sz="1400" dirty="0"/>
+              <a:t>tweets</a:t>
+            </a:r>
+            <a:r>
+              <a:rPr lang="el-GR" sz="1400" dirty="0"/>
+              <a:t>, άρα </a:t>
+            </a:r>
+            <a:r>
+              <a:rPr lang="en-US" sz="1400" dirty="0"/>
+              <a:t>texts/Documents.</a:t>
+            </a:r>
+            <a:endParaRPr lang="el-GR" sz="1400" dirty="0"/>
+          </a:p>
+          <a:p>
+            <a:r>
+              <a:rPr lang="el-GR" sz="1400" dirty="0"/>
+              <a:t>Ένα </a:t>
+            </a:r>
+            <a:r>
+              <a:rPr lang="en-US" sz="1400" dirty="0"/>
+              <a:t>train CSV </a:t>
+            </a:r>
+            <a:r>
+              <a:rPr lang="el-GR" sz="1400" dirty="0"/>
+              <a:t>με </a:t>
+            </a:r>
+            <a:r>
+              <a:rPr lang="en-US" sz="1400" dirty="0"/>
+              <a:t>41157 samples &amp; </a:t>
+            </a:r>
+            <a:r>
+              <a:rPr lang="el-GR" sz="1400" dirty="0"/>
+              <a:t>ένα τεστ </a:t>
+            </a:r>
+            <a:r>
+              <a:rPr lang="en-US" sz="1400" dirty="0"/>
+              <a:t>CSV </a:t>
+            </a:r>
+            <a:r>
+              <a:rPr lang="el-GR" sz="1400" dirty="0"/>
+              <a:t>το οποίο χρησιμοποιήθηκε μόνο στο </a:t>
+            </a:r>
+            <a:r>
+              <a:rPr lang="en-US" sz="1400" dirty="0"/>
+              <a:t>testing on Unseen Data </a:t>
+            </a:r>
+            <a:r>
+              <a:rPr lang="el-GR" sz="1400" dirty="0"/>
+              <a:t>με 3798 </a:t>
+            </a:r>
+            <a:r>
+              <a:rPr lang="en-US" sz="1400" dirty="0"/>
+              <a:t>samples.</a:t>
+            </a:r>
+          </a:p>
+          <a:p>
+            <a:r>
+              <a:rPr lang="el-GR" sz="1400" dirty="0"/>
+              <a:t>Έχουμε 3 πιθανά </a:t>
+            </a:r>
+            <a:r>
+              <a:rPr lang="en-US" sz="1400" dirty="0"/>
+              <a:t>class labels : Negative, Neutral &amp; Positive.</a:t>
+            </a:r>
+          </a:p>
+          <a:p>
+            <a:endParaRPr lang="en-US" sz="1400" dirty="0"/>
+          </a:p>
+        </p:txBody>
+      </p:sp>
+      <p:pic>
+        <p:nvPicPr>
+          <p:cNvPr id="4" name="Picture 3">
+            <a:extLst>
+              <a:ext uri="{FF2B5EF4-FFF2-40B4-BE49-F238E27FC236}">
+                <a16:creationId xmlns:a16="http://schemas.microsoft.com/office/drawing/2014/main" id="{CFF01705-3550-4371-8DC7-48B4AE139669}"/>
+              </a:ext>
+            </a:extLst>
+          </p:cNvPr>
+          <p:cNvPicPr>
+            <a:picLocks noChangeAspect="1"/>
+          </p:cNvPicPr>
+          <p:nvPr/>
+        </p:nvPicPr>
+        <p:blipFill>
+          <a:blip r:embed="rId2"/>
+          <a:stretch>
+            <a:fillRect/>
+          </a:stretch>
+        </p:blipFill>
+        <p:spPr>
+          <a:xfrm>
+            <a:off x="4238815" y="3429000"/>
+            <a:ext cx="4482477" cy="2694638"/>
+          </a:xfrm>
+          <a:prstGeom prst="rect">
+            <a:avLst/>
+          </a:prstGeom>
+        </p:spPr>
+      </p:pic>
+    </p:spTree>
+    <p:extLst>
+      <p:ext uri="{BB962C8B-B14F-4D97-AF65-F5344CB8AC3E}">
+        <p14:creationId xmlns:p14="http://schemas.microsoft.com/office/powerpoint/2010/main" val="409290950"/>
+      </p:ext>
+    </p:extLst>
+  </p:cSld>
+  <p:clrMapOvr>
+    <a:masterClrMapping/>
+  </p:clrMapOvr>
+</p:sld>
+</file>
+
+<file path=ppt/slides/slide3.xml><?xml version="1.0" encoding="utf-8"?>
+<p:sld xmlns:a="http://schemas.openxmlformats.org/drawingml/2006/main" xmlns:r="http://schemas.openxmlformats.org/officeDocument/2006/relationships" xmlns:p="http://schemas.openxmlformats.org/presentationml/2006/main">
+  <p:cSld>
+    <p:spTree>
+      <p:nvGrpSpPr>
+        <p:cNvPr id="1" name=""/>
+        <p:cNvGrpSpPr/>
+        <p:nvPr/>
+      </p:nvGrpSpPr>
+      <p:grpSpPr>
+        <a:xfrm>
+          <a:off x="0" y="0"/>
+          <a:ext cx="0" cy="0"/>
+          <a:chOff x="0" y="0"/>
+          <a:chExt cx="0" cy="0"/>
+        </a:xfrm>
+      </p:grpSpPr>
+      <p:sp>
+        <p:nvSpPr>
+          <p:cNvPr id="2" name="Title 1">
+            <a:extLst>
+              <a:ext uri="{FF2B5EF4-FFF2-40B4-BE49-F238E27FC236}">
+                <a16:creationId xmlns:a16="http://schemas.microsoft.com/office/drawing/2014/main" id="{C9F8A0EA-9A96-4D5A-8F2D-14DD5D84B816}"/>
+              </a:ext>
+            </a:extLst>
+          </p:cNvPr>
+          <p:cNvSpPr>
+            <a:spLocks noGrp="1"/>
+          </p:cNvSpPr>
+          <p:nvPr>
+            <p:ph type="title"/>
+          </p:nvPr>
+        </p:nvSpPr>
+        <p:spPr/>
+        <p:txBody>
+          <a:bodyPr/>
+          <a:lstStyle/>
+          <a:p>
+            <a:r>
+              <a:rPr lang="el-GR" dirty="0"/>
+              <a:t>Επεξεργασία Δεδομένων</a:t>
+            </a:r>
+            <a:endParaRPr lang="en-US" dirty="0"/>
+          </a:p>
+        </p:txBody>
+      </p:sp>
+      <p:sp>
+        <p:nvSpPr>
+          <p:cNvPr id="3" name="Content Placeholder 2">
+            <a:extLst>
+              <a:ext uri="{FF2B5EF4-FFF2-40B4-BE49-F238E27FC236}">
+                <a16:creationId xmlns:a16="http://schemas.microsoft.com/office/drawing/2014/main" id="{D0D44A28-66F1-49D2-AE3A-50E6C331F36F}"/>
+              </a:ext>
+            </a:extLst>
+          </p:cNvPr>
+          <p:cNvSpPr>
+            <a:spLocks noGrp="1"/>
+          </p:cNvSpPr>
+          <p:nvPr>
+            <p:ph idx="1"/>
+          </p:nvPr>
+        </p:nvSpPr>
+        <p:spPr>
+          <a:xfrm>
+            <a:off x="838200" y="1825625"/>
+            <a:ext cx="10993016" cy="4351338"/>
+          </a:xfrm>
+        </p:spPr>
+        <p:txBody>
+          <a:bodyPr/>
+          <a:lstStyle/>
+          <a:p>
+            <a:pPr marL="0" indent="0">
+              <a:buNone/>
+            </a:pPr>
+            <a:r>
+              <a:rPr lang="el-GR" sz="1400" dirty="0"/>
+              <a:t>Για να προκύψουν τα τελικά </a:t>
+            </a:r>
+            <a:r>
+              <a:rPr lang="en-US" sz="1400" dirty="0"/>
+              <a:t>Features </a:t>
+            </a:r>
+            <a:r>
+              <a:rPr lang="el-GR" sz="1400" dirty="0"/>
+              <a:t>με τα οποία θα εκπαιδευτεί ο </a:t>
+            </a:r>
+            <a:r>
+              <a:rPr lang="en-US" sz="1400" dirty="0"/>
+              <a:t>Classifier</a:t>
+            </a:r>
+            <a:r>
+              <a:rPr lang="el-GR" sz="1400" dirty="0"/>
+              <a:t> έγιναν τα παρακάτω βήματα:</a:t>
+            </a:r>
+          </a:p>
+          <a:p>
+            <a:r>
+              <a:rPr lang="en-US" sz="1400" dirty="0"/>
+              <a:t>Lookup </a:t>
+            </a:r>
+            <a:r>
+              <a:rPr lang="el-GR" sz="1400" dirty="0"/>
+              <a:t>σε </a:t>
+            </a:r>
+            <a:r>
+              <a:rPr lang="en-US" sz="1400" dirty="0"/>
+              <a:t>custom dictionaries</a:t>
+            </a:r>
+            <a:r>
+              <a:rPr lang="el-GR" sz="1400" dirty="0"/>
+              <a:t> για την αντικατάσταση ή διαγραφή λέξεων/</a:t>
+            </a:r>
+            <a:r>
+              <a:rPr lang="en-US" sz="1400" dirty="0"/>
+              <a:t>emojis/emoticons</a:t>
+            </a:r>
+          </a:p>
+          <a:p>
+            <a:r>
+              <a:rPr lang="el-GR" sz="1400" dirty="0"/>
+              <a:t>Διαγραφή θορύβου, όπως </a:t>
+            </a:r>
+            <a:r>
+              <a:rPr lang="en-US" sz="1400" dirty="0" err="1"/>
+              <a:t>urls</a:t>
+            </a:r>
+            <a:r>
+              <a:rPr lang="en-US" sz="1400" dirty="0"/>
+              <a:t>, hashtags, mentions, numbers etc.</a:t>
+            </a:r>
+            <a:r>
+              <a:rPr lang="el-GR" sz="1400" dirty="0"/>
+              <a:t> Στην περίπτωση των </a:t>
+            </a:r>
+            <a:r>
+              <a:rPr lang="en-US" sz="1400" dirty="0"/>
+              <a:t>hashtags </a:t>
+            </a:r>
+            <a:r>
+              <a:rPr lang="el-GR" sz="1400" dirty="0"/>
+              <a:t>αφαιρέθηκε απλά το σύμβολο #. Αυτό διότι μπορεί κάποιο από τα </a:t>
+            </a:r>
+            <a:r>
+              <a:rPr lang="en-US" sz="1400" dirty="0"/>
+              <a:t>hashtags </a:t>
+            </a:r>
+            <a:r>
+              <a:rPr lang="el-GR" sz="1400"/>
+              <a:t>να προσφέρει </a:t>
+            </a:r>
+            <a:r>
+              <a:rPr lang="el-GR" sz="1400" dirty="0"/>
+              <a:t>κάποιο νόημα ως προς το συναίσθημα.  Π.χ. #</a:t>
+            </a:r>
+            <a:r>
+              <a:rPr lang="en-US" sz="1400" dirty="0"/>
+              <a:t>love -&gt; love</a:t>
+            </a:r>
+          </a:p>
+          <a:p>
+            <a:r>
+              <a:rPr lang="en-US" sz="1400" dirty="0"/>
+              <a:t>Tokenization &amp; </a:t>
+            </a:r>
+            <a:r>
+              <a:rPr lang="el-GR" sz="1400" dirty="0"/>
+              <a:t>αφαίρεση </a:t>
+            </a:r>
+            <a:r>
+              <a:rPr lang="en-US" sz="1400" dirty="0" err="1"/>
+              <a:t>stopwords</a:t>
+            </a:r>
+            <a:r>
+              <a:rPr lang="en-US" sz="1400" dirty="0"/>
+              <a:t>.</a:t>
+            </a:r>
+          </a:p>
+          <a:p>
+            <a:r>
+              <a:rPr lang="en-US" sz="1400" dirty="0"/>
+              <a:t>Part of speech tagging </a:t>
+            </a:r>
+            <a:r>
+              <a:rPr lang="el-GR" sz="1400" dirty="0"/>
+              <a:t>για να το χρησιμοποιήσουμε στην διαδικασία του </a:t>
+            </a:r>
+            <a:r>
+              <a:rPr lang="en-US" sz="1400" dirty="0"/>
+              <a:t>Lemmatization.</a:t>
+            </a:r>
+          </a:p>
+          <a:p>
+            <a:r>
+              <a:rPr lang="en-US" sz="1400" dirty="0"/>
+              <a:t>Lemmatization.</a:t>
+            </a:r>
+          </a:p>
+          <a:p>
+            <a:r>
+              <a:rPr lang="el-GR" sz="1400" dirty="0"/>
+              <a:t>Αποθήκευση των </a:t>
+            </a:r>
+            <a:r>
+              <a:rPr lang="en-US" sz="1400" dirty="0"/>
+              <a:t>Cleaned/processed data </a:t>
+            </a:r>
+            <a:r>
+              <a:rPr lang="el-GR" sz="1400" dirty="0"/>
+              <a:t>σε </a:t>
+            </a:r>
+            <a:r>
+              <a:rPr lang="en-US" sz="1400" dirty="0" err="1"/>
+              <a:t>DataFrame</a:t>
+            </a:r>
+            <a:r>
+              <a:rPr lang="en-US" sz="1400" dirty="0"/>
+              <a:t>.</a:t>
+            </a:r>
+          </a:p>
+          <a:p>
+            <a:r>
+              <a:rPr lang="el-GR" sz="1400" dirty="0"/>
+              <a:t>Παραγωγή </a:t>
+            </a:r>
+            <a:r>
+              <a:rPr lang="en-US" sz="1400" dirty="0" err="1"/>
+              <a:t>uni</a:t>
+            </a:r>
+            <a:r>
+              <a:rPr lang="en-US" sz="1400" dirty="0"/>
+              <a:t>-grams &amp; bi-grams:</a:t>
+            </a:r>
+          </a:p>
+          <a:p>
+            <a:pPr lvl="1"/>
+            <a:r>
+              <a:rPr lang="el-GR" sz="1000" dirty="0"/>
+              <a:t>Για παράδειγμα: Πρόταση: '</a:t>
+            </a:r>
+            <a:r>
+              <a:rPr lang="en-US" sz="1000" dirty="0"/>
+              <a:t>I don't like'</a:t>
+            </a:r>
+          </a:p>
+          <a:p>
+            <a:pPr lvl="2"/>
+            <a:r>
+              <a:rPr lang="en-US" sz="1100" dirty="0"/>
+              <a:t>unigrams: I, do, not, like</a:t>
+            </a:r>
+          </a:p>
+          <a:p>
+            <a:pPr lvl="2"/>
+            <a:r>
+              <a:rPr lang="en-US" sz="1100" dirty="0"/>
+              <a:t>bi-grams: I do, do not, not like </a:t>
+            </a:r>
+            <a:r>
+              <a:rPr lang="el-GR" sz="1100" dirty="0"/>
+              <a:t>Όπως βλέπουμε η λέξη </a:t>
+            </a:r>
+            <a:r>
+              <a:rPr lang="en-US" sz="1100" dirty="0"/>
+              <a:t>Like </a:t>
+            </a:r>
+            <a:r>
+              <a:rPr lang="el-GR" sz="1100" dirty="0" err="1"/>
+              <a:t>απο</a:t>
+            </a:r>
+            <a:r>
+              <a:rPr lang="el-GR" sz="1100" dirty="0"/>
+              <a:t> μόνη της δείχνει συνήθως θετικό συναίσθημα </a:t>
+            </a:r>
+            <a:r>
+              <a:rPr lang="el-GR" sz="1100" dirty="0" err="1"/>
+              <a:t>ένω</a:t>
+            </a:r>
+            <a:r>
+              <a:rPr lang="el-GR" sz="1100" dirty="0"/>
+              <a:t> με την λέξη </a:t>
+            </a:r>
+            <a:r>
+              <a:rPr lang="en-US" sz="1100" dirty="0"/>
+              <a:t>Not </a:t>
+            </a:r>
+            <a:r>
+              <a:rPr lang="el-GR" sz="1100" dirty="0"/>
+              <a:t>μπροστά δείχνει αρνητικό.</a:t>
+            </a:r>
+          </a:p>
+          <a:p>
+            <a:r>
+              <a:rPr lang="el-GR" sz="1400" dirty="0"/>
+              <a:t>Μετατροπή των καθαρών πλέον κειμένων σε </a:t>
+            </a:r>
+            <a:r>
+              <a:rPr lang="en-US" sz="1400" dirty="0"/>
+              <a:t>Vectors </a:t>
+            </a:r>
+            <a:r>
+              <a:rPr lang="el-GR" sz="1400" dirty="0"/>
+              <a:t>, με την διαδικασία του </a:t>
+            </a:r>
+            <a:r>
+              <a:rPr lang="en-US" sz="1400" dirty="0"/>
+              <a:t>TF-IDF.</a:t>
+            </a:r>
+          </a:p>
+          <a:p>
+            <a:endParaRPr lang="en-US" sz="1400" dirty="0"/>
+          </a:p>
+        </p:txBody>
+      </p:sp>
+      <p:pic>
+        <p:nvPicPr>
+          <p:cNvPr id="4" name="Picture 3">
+            <a:extLst>
+              <a:ext uri="{FF2B5EF4-FFF2-40B4-BE49-F238E27FC236}">
+                <a16:creationId xmlns:a16="http://schemas.microsoft.com/office/drawing/2014/main" id="{F391E76E-A70B-4B31-8A18-C19C8B91D35E}"/>
+              </a:ext>
+            </a:extLst>
+          </p:cNvPr>
+          <p:cNvPicPr>
+            <a:picLocks noChangeAspect="1"/>
+          </p:cNvPicPr>
+          <p:nvPr/>
+        </p:nvPicPr>
+        <p:blipFill>
+          <a:blip r:embed="rId2"/>
+          <a:stretch>
+            <a:fillRect/>
+          </a:stretch>
+        </p:blipFill>
+        <p:spPr>
+          <a:xfrm>
+            <a:off x="7515846" y="5102125"/>
+            <a:ext cx="4177495" cy="739819"/>
+          </a:xfrm>
+          <a:prstGeom prst="rect">
+            <a:avLst/>
+          </a:prstGeom>
+        </p:spPr>
+      </p:pic>
+    </p:spTree>
+    <p:extLst>
+      <p:ext uri="{BB962C8B-B14F-4D97-AF65-F5344CB8AC3E}">
+        <p14:creationId xmlns:p14="http://schemas.microsoft.com/office/powerpoint/2010/main" val="3227466868"/>
+      </p:ext>
+    </p:extLst>
+  </p:cSld>
+  <p:clrMapOvr>
+    <a:masterClrMapping/>
+  </p:clrMapOvr>
+</p:sld>
+</file>
+
+<file path=ppt/slides/slide4.xml><?xml version="1.0" encoding="utf-8"?>
+<p:sld xmlns:a="http://schemas.openxmlformats.org/drawingml/2006/main" xmlns:r="http://schemas.openxmlformats.org/officeDocument/2006/relationships" xmlns:p="http://schemas.openxmlformats.org/presentationml/2006/main">
+  <p:cSld>
+    <p:spTree>
+      <p:nvGrpSpPr>
+        <p:cNvPr id="1" name=""/>
+        <p:cNvGrpSpPr/>
+        <p:nvPr/>
+      </p:nvGrpSpPr>
+      <p:grpSpPr>
+        <a:xfrm>
+          <a:off x="0" y="0"/>
+          <a:ext cx="0" cy="0"/>
+          <a:chOff x="0" y="0"/>
+          <a:chExt cx="0" cy="0"/>
+        </a:xfrm>
+      </p:grpSpPr>
+      <p:sp>
+        <p:nvSpPr>
+          <p:cNvPr id="2" name="Title 1">
+            <a:extLst>
+              <a:ext uri="{FF2B5EF4-FFF2-40B4-BE49-F238E27FC236}">
+                <a16:creationId xmlns:a16="http://schemas.microsoft.com/office/drawing/2014/main" id="{234F870B-AF85-41A1-B0A0-AA03B13C429E}"/>
+              </a:ext>
+            </a:extLst>
+          </p:cNvPr>
+          <p:cNvSpPr>
+            <a:spLocks noGrp="1"/>
+          </p:cNvSpPr>
+          <p:nvPr>
+            <p:ph type="title"/>
+          </p:nvPr>
+        </p:nvSpPr>
+        <p:spPr/>
+        <p:txBody>
+          <a:bodyPr/>
+          <a:lstStyle/>
+          <a:p>
+            <a:r>
+              <a:rPr lang="el-GR" dirty="0"/>
+              <a:t>Μείωση Διαστάσεων</a:t>
+            </a:r>
+            <a:endParaRPr lang="en-US" dirty="0"/>
+          </a:p>
+        </p:txBody>
+      </p:sp>
+      <p:sp>
+        <p:nvSpPr>
+          <p:cNvPr id="3" name="Content Placeholder 2">
+            <a:extLst>
+              <a:ext uri="{FF2B5EF4-FFF2-40B4-BE49-F238E27FC236}">
+                <a16:creationId xmlns:a16="http://schemas.microsoft.com/office/drawing/2014/main" id="{A03960B1-C352-4980-83B1-BE74CA1D21A6}"/>
+              </a:ext>
+            </a:extLst>
+          </p:cNvPr>
+          <p:cNvSpPr>
+            <a:spLocks noGrp="1"/>
+          </p:cNvSpPr>
+          <p:nvPr>
+            <p:ph idx="1"/>
+          </p:nvPr>
+        </p:nvSpPr>
+        <p:spPr>
+          <a:xfrm>
+            <a:off x="275208" y="1402672"/>
+            <a:ext cx="11916792" cy="5422977"/>
+          </a:xfrm>
+        </p:spPr>
+        <p:txBody>
+          <a:bodyPr>
+            <a:normAutofit/>
+          </a:bodyPr>
+          <a:lstStyle/>
+          <a:p>
+            <a:pPr marL="0" indent="0">
+              <a:buNone/>
+            </a:pPr>
+            <a:r>
+              <a:rPr lang="el-GR" sz="1400" dirty="0"/>
+              <a:t>Μετά την εφαρμογή της διαδικασίας </a:t>
+            </a:r>
+            <a:r>
+              <a:rPr lang="en-US" sz="1400" dirty="0"/>
+              <a:t>TF-IDF </a:t>
+            </a:r>
+            <a:r>
+              <a:rPr lang="el-GR" sz="1400" dirty="0"/>
+              <a:t>οι διαστάσεις του </a:t>
+            </a:r>
+            <a:r>
+              <a:rPr lang="en-US" sz="1400" dirty="0"/>
+              <a:t>Vector </a:t>
+            </a:r>
+            <a:r>
+              <a:rPr lang="el-GR" sz="1400" dirty="0"/>
+              <a:t>που αποτελεί την είσοδο στους </a:t>
+            </a:r>
+            <a:r>
+              <a:rPr lang="en-US" sz="1400" dirty="0"/>
+              <a:t>Classifiers </a:t>
+            </a:r>
+            <a:r>
+              <a:rPr lang="el-GR" sz="1400" dirty="0"/>
+              <a:t>είναι (41157,20000). Δηλαδή περιέχει 20000 </a:t>
+            </a:r>
+            <a:r>
+              <a:rPr lang="en-US" sz="1400" dirty="0"/>
+              <a:t>features.</a:t>
+            </a:r>
+          </a:p>
+          <a:p>
+            <a:pPr marL="0" indent="0">
+              <a:buNone/>
+            </a:pPr>
+            <a:r>
+              <a:rPr lang="el-GR" sz="1400" dirty="0"/>
+              <a:t>Για την μείωση εφαρμόστηκε η </a:t>
+            </a:r>
+            <a:r>
+              <a:rPr lang="en-US" sz="1400" dirty="0"/>
+              <a:t>X^2 test </a:t>
+            </a:r>
+            <a:r>
+              <a:rPr lang="el-GR" sz="1400" dirty="0"/>
+              <a:t>στατιστική μέθοδος στην οποία ως </a:t>
+            </a:r>
+            <a:r>
+              <a:rPr lang="en-US" sz="1400" dirty="0"/>
+              <a:t>threshold </a:t>
+            </a:r>
+            <a:r>
+              <a:rPr lang="el-GR" sz="1400" dirty="0"/>
+              <a:t>για την απόρριψη της </a:t>
+            </a:r>
+            <a:r>
+              <a:rPr lang="en-US" sz="1400" dirty="0"/>
+              <a:t>H0</a:t>
+            </a:r>
+            <a:r>
+              <a:rPr lang="el-GR" sz="1400" dirty="0"/>
+              <a:t> ορίστηκε 1-</a:t>
+            </a:r>
+            <a:r>
+              <a:rPr lang="en-US" sz="1400" dirty="0"/>
+              <a:t>p = 5% </a:t>
+            </a:r>
+            <a:r>
+              <a:rPr lang="el-GR" sz="1400" dirty="0"/>
+              <a:t>οτιδήποτε μεγαλύτερο του 1-</a:t>
+            </a:r>
+            <a:r>
+              <a:rPr lang="en-US" sz="1400" dirty="0"/>
+              <a:t>p</a:t>
+            </a:r>
+            <a:r>
+              <a:rPr lang="el-GR" sz="1400" dirty="0"/>
+              <a:t> το κρατάμε.</a:t>
+            </a:r>
+            <a:endParaRPr lang="en-US" sz="1400" dirty="0"/>
+          </a:p>
+          <a:p>
+            <a:pPr marL="0" indent="0">
+              <a:buNone/>
+            </a:pPr>
+            <a:r>
+              <a:rPr lang="el-GR" sz="1400" dirty="0"/>
+              <a:t>Όπου </a:t>
+            </a:r>
+            <a:r>
+              <a:rPr lang="en-US" sz="1400" dirty="0"/>
+              <a:t>p = score </a:t>
+            </a:r>
+            <a:r>
+              <a:rPr lang="el-GR" sz="1400" dirty="0"/>
+              <a:t>που αντιστοιχεί σε πιθανότητα ένα </a:t>
+            </a:r>
+            <a:r>
+              <a:rPr lang="en-US" sz="1400" dirty="0"/>
+              <a:t>feature </a:t>
+            </a:r>
+            <a:r>
+              <a:rPr lang="el-GR" sz="1400" dirty="0"/>
+              <a:t>να βρίσκεται σε κάποια κλάση.</a:t>
+            </a:r>
+          </a:p>
+          <a:p>
+            <a:pPr marL="0" indent="0">
+              <a:buNone/>
+            </a:pPr>
+            <a:r>
+              <a:rPr lang="el-GR" sz="1400" dirty="0"/>
+              <a:t>Επομένως, έγινε ανάκτηση των πιο συνηθισμένων </a:t>
+            </a:r>
+            <a:r>
+              <a:rPr lang="en-US" sz="1400" dirty="0"/>
+              <a:t>feature </a:t>
+            </a:r>
+            <a:r>
+              <a:rPr lang="el-GR" sz="1400" dirty="0"/>
+              <a:t>όπου είναι πιο σχετικά με την κάθε κλάση. Οι τελικές διαστάσεις πλέον είναι: </a:t>
+            </a:r>
+            <a:r>
+              <a:rPr lang="el-GR" sz="1200" dirty="0"/>
+              <a:t>(41157, 1</a:t>
+            </a:r>
+            <a:r>
+              <a:rPr lang="en-US" sz="1200" dirty="0"/>
+              <a:t>702</a:t>
+            </a:r>
+            <a:r>
+              <a:rPr lang="el-GR" sz="1200" dirty="0"/>
+              <a:t>)</a:t>
+            </a:r>
+            <a:endParaRPr lang="en-US" sz="1200" dirty="0"/>
+          </a:p>
+        </p:txBody>
+      </p:sp>
+      <p:pic>
+        <p:nvPicPr>
+          <p:cNvPr id="5" name="Picture 4">
+            <a:extLst>
+              <a:ext uri="{FF2B5EF4-FFF2-40B4-BE49-F238E27FC236}">
+                <a16:creationId xmlns:a16="http://schemas.microsoft.com/office/drawing/2014/main" id="{FE351340-5C56-4D20-A0BF-EE57D489A02E}"/>
+              </a:ext>
+            </a:extLst>
+          </p:cNvPr>
+          <p:cNvPicPr>
+            <a:picLocks noChangeAspect="1"/>
+          </p:cNvPicPr>
+          <p:nvPr/>
+        </p:nvPicPr>
+        <p:blipFill>
+          <a:blip r:embed="rId2"/>
+          <a:stretch>
+            <a:fillRect/>
+          </a:stretch>
+        </p:blipFill>
+        <p:spPr>
+          <a:xfrm>
+            <a:off x="275208" y="3065016"/>
+            <a:ext cx="5133010" cy="3222892"/>
+          </a:xfrm>
+          <a:prstGeom prst="rect">
+            <a:avLst/>
+          </a:prstGeom>
+        </p:spPr>
+      </p:pic>
+      <p:sp>
+        <p:nvSpPr>
+          <p:cNvPr id="8" name="TextBox 7">
+            <a:extLst>
+              <a:ext uri="{FF2B5EF4-FFF2-40B4-BE49-F238E27FC236}">
+                <a16:creationId xmlns:a16="http://schemas.microsoft.com/office/drawing/2014/main" id="{CC926766-01E1-4CCB-B0E7-FBC311E296EC}"/>
+              </a:ext>
+            </a:extLst>
+          </p:cNvPr>
+          <p:cNvSpPr txBox="1"/>
+          <p:nvPr/>
+        </p:nvSpPr>
+        <p:spPr>
+          <a:xfrm>
+            <a:off x="5341399" y="3098497"/>
+            <a:ext cx="2612994" cy="2031325"/>
+          </a:xfrm>
+          <a:prstGeom prst="rect">
+            <a:avLst/>
+          </a:prstGeom>
+          <a:noFill/>
+        </p:spPr>
+        <p:txBody>
+          <a:bodyPr wrap="square" rtlCol="0">
+            <a:spAutoFit/>
+          </a:bodyPr>
+          <a:lstStyle/>
+          <a:p>
+            <a:r>
+              <a:rPr lang="el-GR" i="1" dirty="0">
+                <a:solidFill>
+                  <a:schemeClr val="accent1"/>
+                </a:solidFill>
+              </a:rPr>
+              <a:t>Όσο πιο μεγάλο </a:t>
+            </a:r>
+            <a:r>
+              <a:rPr lang="en-US" i="1" dirty="0" err="1">
+                <a:solidFill>
+                  <a:schemeClr val="accent1"/>
+                </a:solidFill>
+              </a:rPr>
+              <a:t>tf-idf</a:t>
+            </a:r>
+            <a:r>
+              <a:rPr lang="en-US" i="1" dirty="0">
+                <a:solidFill>
+                  <a:schemeClr val="accent1"/>
+                </a:solidFill>
+              </a:rPr>
+              <a:t> score </a:t>
+            </a:r>
+            <a:r>
+              <a:rPr lang="el-GR" i="1" dirty="0">
+                <a:solidFill>
+                  <a:schemeClr val="accent1"/>
+                </a:solidFill>
+              </a:rPr>
+              <a:t>τόσο πιο μεγάλη διακριτική δύναμη έχει το </a:t>
+            </a:r>
+            <a:r>
+              <a:rPr lang="en-US" i="1" dirty="0">
+                <a:solidFill>
+                  <a:schemeClr val="accent1"/>
+                </a:solidFill>
+              </a:rPr>
+              <a:t>Feature. </a:t>
+            </a:r>
+            <a:r>
+              <a:rPr lang="el-GR" i="1" dirty="0">
+                <a:solidFill>
+                  <a:schemeClr val="accent1"/>
+                </a:solidFill>
+              </a:rPr>
+              <a:t>Δηλαδή εμφανίστηκαν πολλές φορές σε λίγα </a:t>
+            </a:r>
+            <a:r>
+              <a:rPr lang="en-US" i="1" dirty="0">
+                <a:solidFill>
+                  <a:schemeClr val="accent1"/>
+                </a:solidFill>
+              </a:rPr>
+              <a:t>documents.</a:t>
+            </a:r>
+          </a:p>
+        </p:txBody>
+      </p:sp>
+      <p:pic>
+        <p:nvPicPr>
+          <p:cNvPr id="4" name="Picture 3">
+            <a:extLst>
+              <a:ext uri="{FF2B5EF4-FFF2-40B4-BE49-F238E27FC236}">
+                <a16:creationId xmlns:a16="http://schemas.microsoft.com/office/drawing/2014/main" id="{720B0360-DC46-45DE-A49D-A10BB23EEC19}"/>
+              </a:ext>
+            </a:extLst>
+          </p:cNvPr>
+          <p:cNvPicPr>
+            <a:picLocks noChangeAspect="1"/>
+          </p:cNvPicPr>
+          <p:nvPr/>
+        </p:nvPicPr>
+        <p:blipFill>
+          <a:blip r:embed="rId3"/>
+          <a:stretch>
+            <a:fillRect/>
+          </a:stretch>
+        </p:blipFill>
+        <p:spPr>
+          <a:xfrm>
+            <a:off x="5341399" y="5030619"/>
+            <a:ext cx="6462271" cy="1700241"/>
+          </a:xfrm>
+          <a:prstGeom prst="rect">
+            <a:avLst/>
+          </a:prstGeom>
+        </p:spPr>
+      </p:pic>
+    </p:spTree>
+    <p:extLst>
+      <p:ext uri="{BB962C8B-B14F-4D97-AF65-F5344CB8AC3E}">
+        <p14:creationId xmlns:p14="http://schemas.microsoft.com/office/powerpoint/2010/main" val="4285456964"/>
+      </p:ext>
+    </p:extLst>
+  </p:cSld>
+  <p:clrMapOvr>
+    <a:masterClrMapping/>
+  </p:clrMapOvr>
+</p:sld>
+</file>
+
+<file path=ppt/slides/slide5.xml><?xml version="1.0" encoding="utf-8"?>
+<p:sld xmlns:a="http://schemas.openxmlformats.org/drawingml/2006/main" xmlns:r="http://schemas.openxmlformats.org/officeDocument/2006/relationships" xmlns:p="http://schemas.openxmlformats.org/presentationml/2006/main">
+  <p:cSld>
+    <p:spTree>
+      <p:nvGrpSpPr>
+        <p:cNvPr id="1" name=""/>
+        <p:cNvGrpSpPr/>
+        <p:nvPr/>
+      </p:nvGrpSpPr>
+      <p:grpSpPr>
+        <a:xfrm>
+          <a:off x="0" y="0"/>
+          <a:ext cx="0" cy="0"/>
+          <a:chOff x="0" y="0"/>
+          <a:chExt cx="0" cy="0"/>
+        </a:xfrm>
+      </p:grpSpPr>
+      <p:sp>
+        <p:nvSpPr>
+          <p:cNvPr id="2" name="Title 1">
+            <a:extLst>
+              <a:ext uri="{FF2B5EF4-FFF2-40B4-BE49-F238E27FC236}">
+                <a16:creationId xmlns:a16="http://schemas.microsoft.com/office/drawing/2014/main" id="{E4985E71-7950-44D0-A20A-E1A1A2D3F31E}"/>
+              </a:ext>
+            </a:extLst>
+          </p:cNvPr>
+          <p:cNvSpPr>
+            <a:spLocks noGrp="1"/>
+          </p:cNvSpPr>
+          <p:nvPr>
+            <p:ph type="title"/>
+          </p:nvPr>
+        </p:nvSpPr>
+        <p:spPr/>
+        <p:txBody>
+          <a:bodyPr/>
+          <a:lstStyle/>
+          <a:p>
+            <a:r>
+              <a:rPr lang="en-US" dirty="0"/>
+              <a:t>Classifiers</a:t>
+            </a:r>
+          </a:p>
+        </p:txBody>
+      </p:sp>
+      <mc:AlternateContent xmlns:mc="http://schemas.openxmlformats.org/markup-compatibility/2006" xmlns:a14="http://schemas.microsoft.com/office/drawing/2010/main">
+        <mc:Choice Requires="a14">
+          <p:sp>
+            <p:nvSpPr>
+              <p:cNvPr id="3" name="Content Placeholder 2">
+                <a:extLst>
+                  <a:ext uri="{FF2B5EF4-FFF2-40B4-BE49-F238E27FC236}">
+                    <a16:creationId xmlns:a16="http://schemas.microsoft.com/office/drawing/2014/main" id="{3388CBAC-8E2B-40B5-8365-08363515019B}"/>
+                  </a:ext>
+                </a:extLst>
+              </p:cNvPr>
+              <p:cNvSpPr>
+                <a:spLocks noGrp="1"/>
+              </p:cNvSpPr>
+              <p:nvPr>
+                <p:ph idx="1"/>
+              </p:nvPr>
+            </p:nvSpPr>
+            <p:spPr/>
+            <p:txBody>
+              <a:bodyPr>
+                <a:normAutofit/>
+              </a:bodyPr>
+              <a:lstStyle/>
+              <a:p>
+                <a:r>
+                  <a:rPr lang="el-GR" sz="1400" dirty="0"/>
+                  <a:t>Οι παράμετροι των αλγορίθμων επιλέχθηκαν με την διαδικασία του </a:t>
+                </a:r>
+                <a:r>
+                  <a:rPr lang="en-US" sz="1400" dirty="0" err="1"/>
+                  <a:t>GridSearchCV</a:t>
+                </a:r>
+                <a:r>
+                  <a:rPr lang="en-US" sz="1400" dirty="0"/>
+                  <a:t> </a:t>
+                </a:r>
+                <a:r>
+                  <a:rPr lang="el-GR" sz="1400" dirty="0"/>
+                  <a:t>το οποίο κάνει και ταυτόχρονα </a:t>
+                </a:r>
+                <a:r>
+                  <a:rPr lang="en-US" sz="1400" dirty="0" err="1"/>
+                  <a:t>Kfold</a:t>
+                </a:r>
+                <a:r>
+                  <a:rPr lang="en-US" sz="1400" dirty="0"/>
+                  <a:t> Cross-Validation </a:t>
+                </a:r>
+                <a:r>
+                  <a:rPr lang="el-GR" sz="1400" dirty="0"/>
+                  <a:t>με </a:t>
+                </a:r>
+                <a:r>
+                  <a:rPr lang="en-US" sz="1400" dirty="0"/>
+                  <a:t>K=5.</a:t>
+                </a:r>
+              </a:p>
+              <a:p>
+                <a:r>
+                  <a:rPr lang="el-GR" sz="1400" dirty="0"/>
+                  <a:t>Για τα πειράματα εκπαιδεύτηκαν:</a:t>
+                </a:r>
+              </a:p>
+              <a:p>
+                <a:pPr lvl="1"/>
+                <a:r>
+                  <a:rPr lang="en-US" sz="1400" dirty="0"/>
+                  <a:t>SVM : RBF kernel, C=1.5, gamma=scale=</a:t>
+                </a:r>
+                <a14:m>
+                  <m:oMath xmlns:m="http://schemas.openxmlformats.org/officeDocument/2006/math">
+                    <m:f>
+                      <m:fPr>
+                        <m:ctrlPr>
+                          <a:rPr lang="en-US" sz="1400" i="1" smtClean="0">
+                            <a:latin typeface="Cambria Math" panose="02040503050406030204" pitchFamily="18" charset="0"/>
+                          </a:rPr>
+                        </m:ctrlPr>
+                      </m:fPr>
+                      <m:num>
+                        <m:r>
+                          <a:rPr lang="en-US" sz="1400" b="0" i="1" smtClean="0">
+                            <a:latin typeface="Cambria Math" panose="02040503050406030204" pitchFamily="18" charset="0"/>
+                          </a:rPr>
+                          <m:t>1</m:t>
+                        </m:r>
+                      </m:num>
+                      <m:den>
+                        <m:r>
+                          <a:rPr lang="en-US" sz="1400" b="0" i="1" smtClean="0">
+                            <a:latin typeface="Cambria Math" panose="02040503050406030204" pitchFamily="18" charset="0"/>
+                          </a:rPr>
+                          <m:t>𝑛</m:t>
+                        </m:r>
+                        <m:r>
+                          <a:rPr lang="en-US" sz="1400" b="0" i="1" smtClean="0">
+                            <a:latin typeface="Cambria Math" panose="02040503050406030204" pitchFamily="18" charset="0"/>
+                          </a:rPr>
+                          <m:t> ×</m:t>
+                        </m:r>
+                        <m:r>
+                          <m:rPr>
+                            <m:sty m:val="p"/>
+                          </m:rPr>
+                          <a:rPr lang="el-GR" sz="1400" b="0" i="0" smtClean="0">
+                            <a:latin typeface="Cambria Math" panose="02040503050406030204" pitchFamily="18" charset="0"/>
+                            <a:ea typeface="Cambria Math" panose="02040503050406030204" pitchFamily="18" charset="0"/>
+                          </a:rPr>
+                          <m:t>Διακύμανση</m:t>
+                        </m:r>
+                        <m:r>
+                          <a:rPr lang="el-GR" sz="1400" b="0" i="0" smtClean="0">
+                            <a:latin typeface="Cambria Math" panose="02040503050406030204" pitchFamily="18" charset="0"/>
+                            <a:ea typeface="Cambria Math" panose="02040503050406030204" pitchFamily="18" charset="0"/>
+                          </a:rPr>
+                          <m:t> (</m:t>
+                        </m:r>
+                        <m:sSup>
+                          <m:sSupPr>
+                            <m:ctrlPr>
+                              <a:rPr lang="el-GR" sz="1400" b="0" i="1" smtClean="0">
+                                <a:latin typeface="Cambria Math" panose="02040503050406030204" pitchFamily="18" charset="0"/>
+                                <a:ea typeface="Cambria Math" panose="02040503050406030204" pitchFamily="18" charset="0"/>
+                              </a:rPr>
+                            </m:ctrlPr>
+                          </m:sSupPr>
+                          <m:e>
+                            <m:r>
+                              <a:rPr lang="el-GR" sz="1400" b="0" i="1" smtClean="0">
+                                <a:latin typeface="Cambria Math" panose="02040503050406030204" pitchFamily="18" charset="0"/>
+                                <a:ea typeface="Cambria Math" panose="02040503050406030204" pitchFamily="18" charset="0"/>
+                              </a:rPr>
+                              <m:t>𝜎</m:t>
+                            </m:r>
+                          </m:e>
+                          <m:sup>
+                            <m:r>
+                              <a:rPr lang="el-GR" sz="1400" b="0" i="1" smtClean="0">
+                                <a:latin typeface="Cambria Math" panose="02040503050406030204" pitchFamily="18" charset="0"/>
+                                <a:ea typeface="Cambria Math" panose="02040503050406030204" pitchFamily="18" charset="0"/>
+                              </a:rPr>
+                              <m:t>2</m:t>
+                            </m:r>
+                          </m:sup>
+                        </m:sSup>
+                        <m:r>
+                          <a:rPr lang="el-GR" sz="1400" b="0" i="0" smtClean="0">
+                            <a:latin typeface="Cambria Math" panose="02040503050406030204" pitchFamily="18" charset="0"/>
+                            <a:ea typeface="Cambria Math" panose="02040503050406030204" pitchFamily="18" charset="0"/>
+                          </a:rPr>
+                          <m:t>)</m:t>
+                        </m:r>
+                      </m:den>
+                    </m:f>
+                  </m:oMath>
+                </a14:m>
+                <a:endParaRPr lang="en-US" sz="1400" dirty="0"/>
+              </a:p>
+              <a:p>
+                <a:pPr lvl="1"/>
+                <a:r>
+                  <a:rPr lang="en-US" sz="1400" dirty="0"/>
+                  <a:t>Logistic Regression: solver=newton-cg, C=10, </a:t>
+                </a:r>
+                <a:r>
+                  <a:rPr lang="en-US" sz="1400" dirty="0" err="1"/>
+                  <a:t>max_iter</a:t>
+                </a:r>
+                <a:r>
+                  <a:rPr lang="en-US" sz="1400" dirty="0"/>
+                  <a:t>=200</a:t>
+                </a:r>
+              </a:p>
+              <a:p>
+                <a:pPr lvl="1"/>
+                <a:r>
+                  <a:rPr lang="en-US" sz="1400" dirty="0"/>
+                  <a:t>Naïve Bayes: alpha=0.70001</a:t>
+                </a:r>
+              </a:p>
+            </p:txBody>
+          </p:sp>
+        </mc:Choice>
+        <mc:Fallback xmlns="">
+          <p:sp>
+            <p:nvSpPr>
+              <p:cNvPr id="3" name="Content Placeholder 2">
+                <a:extLst>
+                  <a:ext uri="{FF2B5EF4-FFF2-40B4-BE49-F238E27FC236}">
+                    <a16:creationId xmlns:a16="http://schemas.microsoft.com/office/drawing/2014/main" id="{3388CBAC-8E2B-40B5-8365-08363515019B}"/>
+                  </a:ext>
+                </a:extLst>
+              </p:cNvPr>
+              <p:cNvSpPr>
+                <a:spLocks noGrp="1" noRot="1" noChangeAspect="1" noMove="1" noResize="1" noEditPoints="1" noAdjustHandles="1" noChangeArrowheads="1" noChangeShapeType="1" noTextEdit="1"/>
+              </p:cNvSpPr>
+              <p:nvPr>
+                <p:ph idx="1"/>
+              </p:nvPr>
+            </p:nvSpPr>
+            <p:spPr>
+              <a:blipFill>
+                <a:blip r:embed="rId2"/>
+                <a:stretch>
+                  <a:fillRect l="-116" t="-560"/>
+                </a:stretch>
+              </a:blipFill>
+            </p:spPr>
+            <p:txBody>
+              <a:bodyPr/>
+              <a:lstStyle/>
+              <a:p>
+                <a:r>
+                  <a:rPr lang="en-US">
+                    <a:noFill/>
+                  </a:rPr>
+                  <a:t> </a:t>
+                </a:r>
+              </a:p>
+            </p:txBody>
+          </p:sp>
+        </mc:Fallback>
+      </mc:AlternateContent>
+    </p:spTree>
+    <p:extLst>
+      <p:ext uri="{BB962C8B-B14F-4D97-AF65-F5344CB8AC3E}">
+        <p14:creationId xmlns:p14="http://schemas.microsoft.com/office/powerpoint/2010/main" val="4097515087"/>
+      </p:ext>
+    </p:extLst>
+  </p:cSld>
+  <p:clrMapOvr>
+    <a:masterClrMapping/>
+  </p:clrMapOvr>
+</p:sld>
+</file>
+
+<file path=ppt/slides/slide6.xml><?xml version="1.0" encoding="utf-8"?>
+<p:sld xmlns:a="http://schemas.openxmlformats.org/drawingml/2006/main" xmlns:r="http://schemas.openxmlformats.org/officeDocument/2006/relationships" xmlns:p="http://schemas.openxmlformats.org/presentationml/2006/main">
+  <p:cSld>
+    <p:spTree>
+      <p:nvGrpSpPr>
+        <p:cNvPr id="1" name=""/>
+        <p:cNvGrpSpPr/>
+        <p:nvPr/>
+      </p:nvGrpSpPr>
+      <p:grpSpPr>
+        <a:xfrm>
+          <a:off x="0" y="0"/>
+          <a:ext cx="0" cy="0"/>
+          <a:chOff x="0" y="0"/>
+          <a:chExt cx="0" cy="0"/>
+        </a:xfrm>
+      </p:grpSpPr>
+      <p:sp>
+        <p:nvSpPr>
+          <p:cNvPr id="2" name="Title 1">
+            <a:extLst>
+              <a:ext uri="{FF2B5EF4-FFF2-40B4-BE49-F238E27FC236}">
+                <a16:creationId xmlns:a16="http://schemas.microsoft.com/office/drawing/2014/main" id="{BEC525E6-3459-49BE-AA96-30BFFDE42EBF}"/>
+              </a:ext>
+            </a:extLst>
+          </p:cNvPr>
+          <p:cNvSpPr>
+            <a:spLocks noGrp="1"/>
+          </p:cNvSpPr>
+          <p:nvPr>
+            <p:ph type="title"/>
+          </p:nvPr>
+        </p:nvSpPr>
+        <p:spPr/>
+        <p:txBody>
+          <a:bodyPr/>
+          <a:lstStyle/>
+          <a:p>
+            <a:r>
+              <a:rPr lang="el-GR" dirty="0"/>
+              <a:t>Ορισμοί</a:t>
+            </a:r>
+            <a:endParaRPr lang="en-US" dirty="0"/>
+          </a:p>
+        </p:txBody>
+      </p:sp>
+      <p:sp>
+        <p:nvSpPr>
+          <p:cNvPr id="3" name="Content Placeholder 2">
+            <a:extLst>
+              <a:ext uri="{FF2B5EF4-FFF2-40B4-BE49-F238E27FC236}">
+                <a16:creationId xmlns:a16="http://schemas.microsoft.com/office/drawing/2014/main" id="{8247093A-CB43-4D66-8E67-31F56AAF2182}"/>
+              </a:ext>
+            </a:extLst>
+          </p:cNvPr>
+          <p:cNvSpPr>
+            <a:spLocks noGrp="1"/>
+          </p:cNvSpPr>
+          <p:nvPr>
+            <p:ph idx="1"/>
+          </p:nvPr>
+        </p:nvSpPr>
+        <p:spPr/>
+        <p:txBody>
+          <a:bodyPr>
+            <a:normAutofit/>
+          </a:bodyPr>
+          <a:lstStyle/>
+          <a:p>
+            <a:r>
+              <a:rPr lang="en-US" sz="1600" b="1" dirty="0"/>
+              <a:t>Recall: </a:t>
+            </a:r>
+            <a:r>
+              <a:rPr lang="el-GR" sz="1600" dirty="0"/>
+              <a:t>Πρακτικά είναι το ποσοστό των σωστών προβλέψεων από όλα τα </a:t>
+            </a:r>
+            <a:r>
+              <a:rPr lang="en-US" sz="1600" dirty="0"/>
+              <a:t>actual</a:t>
+            </a:r>
+            <a:r>
+              <a:rPr lang="el-GR" sz="1600" dirty="0"/>
+              <a:t> της κάθε κλάσης</a:t>
+            </a:r>
+            <a:r>
+              <a:rPr lang="en-US" sz="1600" dirty="0"/>
+              <a:t>.  P(</a:t>
+            </a:r>
+            <a:r>
+              <a:rPr lang="en-US" sz="1600" dirty="0" err="1"/>
+              <a:t>Predicted|Actual</a:t>
+            </a:r>
+            <a:r>
+              <a:rPr lang="en-US" sz="1600" dirty="0"/>
+              <a:t>)</a:t>
+            </a:r>
+          </a:p>
+          <a:p>
+            <a:r>
+              <a:rPr lang="en-US" sz="1600" b="1" dirty="0"/>
+              <a:t>Precision: </a:t>
+            </a:r>
+            <a:r>
+              <a:rPr lang="el-GR" sz="1600" dirty="0"/>
+              <a:t>Πρακτικά είναι το ποσοστό των σωστών προβλέψεων από τα </a:t>
+            </a:r>
+            <a:r>
+              <a:rPr lang="en-US" sz="1600" dirty="0"/>
+              <a:t>predicted </a:t>
+            </a:r>
+            <a:r>
+              <a:rPr lang="el-GR" sz="1600" dirty="0"/>
+              <a:t>της κάθε κλάσης. </a:t>
+            </a:r>
+            <a:r>
+              <a:rPr lang="en-US" sz="1600" dirty="0"/>
+              <a:t>P(</a:t>
+            </a:r>
+            <a:r>
+              <a:rPr lang="en-US" sz="1600" dirty="0" err="1"/>
+              <a:t>Actual|Predicted</a:t>
+            </a:r>
+            <a:r>
+              <a:rPr lang="en-US" sz="1600" dirty="0"/>
+              <a:t>)</a:t>
+            </a:r>
+            <a:endParaRPr lang="el-GR" sz="1600" dirty="0"/>
+          </a:p>
+          <a:p>
+            <a:pPr marL="0" indent="0">
+              <a:buNone/>
+            </a:pPr>
+            <a:r>
+              <a:rPr lang="el-GR" sz="1600" i="1" dirty="0"/>
+              <a:t>Παράδειγμα: Περίπτωση </a:t>
+            </a:r>
+            <a:r>
+              <a:rPr lang="en-US" sz="1600" i="1" dirty="0"/>
+              <a:t>test PCR Covid-19. </a:t>
+            </a:r>
+            <a:r>
+              <a:rPr lang="el-GR" sz="1600" i="1" dirty="0"/>
+              <a:t>Μας ενδιαφέρει το </a:t>
+            </a:r>
+            <a:r>
+              <a:rPr lang="en-US" sz="1600" i="1" dirty="0"/>
+              <a:t>Recall,</a:t>
+            </a:r>
+            <a:r>
+              <a:rPr lang="el-GR" sz="1600" i="1" dirty="0"/>
+              <a:t> διότι δεν θέλουμε το μοντέλο να κάνει λάθος και να μας «υποδείξει» ένα θετικό κρούσμα ως ένα αρνητικό (αυτό μπορεί να φανεί από το </a:t>
+            </a:r>
+            <a:r>
+              <a:rPr lang="en-US" sz="1600" i="1" dirty="0"/>
+              <a:t>precision</a:t>
+            </a:r>
+            <a:r>
+              <a:rPr lang="el-GR" sz="1600" i="1" dirty="0"/>
+              <a:t>)</a:t>
+            </a:r>
+            <a:r>
+              <a:rPr lang="en-US" sz="1600" i="1" dirty="0"/>
+              <a:t>. </a:t>
+            </a:r>
+            <a:r>
+              <a:rPr lang="el-GR" sz="1600" i="1" dirty="0"/>
+              <a:t>Αυτό που θέλουμε πρακτικά είναι να μας δώσει για το αποτέλεσμα του τεστ έστω και λάθος απάντηση. Προτιμάμε δηλαδή ένα </a:t>
+            </a:r>
+            <a:r>
+              <a:rPr lang="en-US" sz="1600" i="1" dirty="0"/>
+              <a:t>False Alarm (False Negative).</a:t>
+            </a:r>
+            <a:endParaRPr lang="en-US" sz="1600" b="1" dirty="0"/>
+          </a:p>
+          <a:p>
+            <a:r>
+              <a:rPr lang="en-US" sz="1600" b="1" dirty="0"/>
+              <a:t>F1-score: </a:t>
+            </a:r>
+            <a:r>
+              <a:rPr lang="el-GR" sz="1600" dirty="0"/>
+              <a:t>Εδώ θα χρησιμοποιήσουμε το </a:t>
+            </a:r>
+            <a:r>
+              <a:rPr lang="en-US" sz="1600" dirty="0"/>
+              <a:t>macro F1. </a:t>
+            </a:r>
+            <a:r>
+              <a:rPr lang="el-GR" sz="1600" dirty="0"/>
+              <a:t>Πρακτικά το χρησιμοποιούμαι για να «τιμωρήσουμε» την κακή επίδοση (αν υπάρχει) σε ένα από τα 2 </a:t>
+            </a:r>
+            <a:r>
+              <a:rPr lang="en-US" sz="1600" dirty="0"/>
+              <a:t>precision &amp; recall. </a:t>
+            </a:r>
+            <a:r>
+              <a:rPr lang="el-GR" sz="1600" dirty="0"/>
+              <a:t>Έτσι αναζητούμε με αυτό μια ισορροπία μεταξύ </a:t>
+            </a:r>
+            <a:r>
+              <a:rPr lang="en-US" sz="1600" dirty="0"/>
+              <a:t>precision &amp; recall, </a:t>
+            </a:r>
+            <a:r>
+              <a:rPr lang="el-GR" sz="1600" dirty="0"/>
+              <a:t>δηλαδή το </a:t>
+            </a:r>
+            <a:r>
+              <a:rPr lang="en-US" sz="1600" dirty="0"/>
+              <a:t>F1 </a:t>
+            </a:r>
+            <a:r>
+              <a:rPr lang="el-GR" sz="1600" dirty="0"/>
+              <a:t>θα βρίσκεται πιο κοντά στην μικρότερη από τις 2 τιμές (</a:t>
+            </a:r>
+            <a:r>
+              <a:rPr lang="en-US" sz="1600" dirty="0"/>
+              <a:t>precision, recall</a:t>
+            </a:r>
+            <a:r>
+              <a:rPr lang="el-GR" sz="1600" dirty="0"/>
+              <a:t>)</a:t>
+            </a:r>
+            <a:r>
+              <a:rPr lang="en-US" sz="1600" dirty="0"/>
+              <a:t>. </a:t>
+            </a:r>
+            <a:r>
+              <a:rPr lang="el-GR" sz="1600" dirty="0"/>
+              <a:t>Για παράδειγμα πολλές φορές εστιάζουμε στα </a:t>
+            </a:r>
+            <a:r>
+              <a:rPr lang="en-US" sz="1600" dirty="0"/>
+              <a:t>False Positives &amp; False Negatives</a:t>
+            </a:r>
+            <a:r>
+              <a:rPr lang="el-GR" sz="1600" dirty="0"/>
+              <a:t>. Εδώ έρχεται να μας εξηγήσει πιο πολλά πράγματα το </a:t>
+            </a:r>
+            <a:r>
+              <a:rPr lang="en-US" sz="1600" dirty="0"/>
+              <a:t>F1 </a:t>
+            </a:r>
+            <a:r>
+              <a:rPr lang="el-GR" sz="1600" dirty="0"/>
+              <a:t>σε σχέση με την </a:t>
+            </a:r>
+            <a:r>
+              <a:rPr lang="en-US" sz="1600" dirty="0"/>
+              <a:t>Accuracy.</a:t>
+            </a:r>
+          </a:p>
+          <a:p>
+            <a:r>
+              <a:rPr lang="en-US" sz="1600" b="1" dirty="0"/>
+              <a:t>ROC: </a:t>
+            </a:r>
+            <a:r>
+              <a:rPr lang="el-GR" sz="1600" dirty="0"/>
+              <a:t>Υπολογίζεται με βάση το </a:t>
+            </a:r>
+            <a:r>
+              <a:rPr lang="en-US" sz="1600" dirty="0"/>
+              <a:t>TPR</a:t>
+            </a:r>
+            <a:r>
+              <a:rPr lang="el-GR" sz="1600" dirty="0"/>
+              <a:t> &amp; </a:t>
+            </a:r>
+            <a:r>
+              <a:rPr lang="en-US" sz="1600" dirty="0"/>
+              <a:t>FPR. </a:t>
+            </a:r>
+          </a:p>
+          <a:p>
+            <a:pPr marL="0" indent="0">
+              <a:buNone/>
+            </a:pPr>
+            <a:r>
+              <a:rPr lang="en-US" sz="1600" dirty="0"/>
+              <a:t>	TPR: </a:t>
+            </a:r>
+            <a:r>
+              <a:rPr lang="el-GR" sz="1600" dirty="0"/>
+              <a:t>πόσα από τα θετικά</a:t>
+            </a:r>
+            <a:r>
+              <a:rPr lang="en-US" sz="1600" dirty="0"/>
+              <a:t> (TP + FN)</a:t>
+            </a:r>
+            <a:r>
+              <a:rPr lang="el-GR" sz="1600" dirty="0"/>
+              <a:t> ταξινομεί σωστά</a:t>
+            </a:r>
+            <a:r>
+              <a:rPr lang="en-US" sz="1600" dirty="0"/>
+              <a:t>. </a:t>
+            </a:r>
+            <a:r>
+              <a:rPr lang="el-GR" sz="1600" dirty="0"/>
+              <a:t>Δηλαδή το </a:t>
+            </a:r>
+            <a:r>
+              <a:rPr lang="en-US" sz="1600" dirty="0"/>
+              <a:t>Recall.</a:t>
+            </a:r>
+          </a:p>
+          <a:p>
+            <a:pPr marL="0" indent="0">
+              <a:buNone/>
+            </a:pPr>
+            <a:r>
+              <a:rPr lang="en-US" sz="1600" dirty="0"/>
+              <a:t>	FPR: </a:t>
+            </a:r>
+            <a:r>
+              <a:rPr lang="el-GR" sz="1600" dirty="0"/>
+              <a:t>πόσα από τα αρνητικά </a:t>
+            </a:r>
+            <a:r>
+              <a:rPr lang="en-US" sz="1600" dirty="0"/>
+              <a:t>(TN + FP) </a:t>
+            </a:r>
+            <a:r>
+              <a:rPr lang="el-GR" sz="1600" dirty="0"/>
+              <a:t>ταξινομεί λάθος</a:t>
+            </a:r>
+            <a:r>
+              <a:rPr lang="en-US" sz="1600" dirty="0"/>
+              <a:t>.</a:t>
+            </a:r>
+          </a:p>
+        </p:txBody>
+      </p:sp>
+    </p:spTree>
+    <p:extLst>
+      <p:ext uri="{BB962C8B-B14F-4D97-AF65-F5344CB8AC3E}">
+        <p14:creationId xmlns:p14="http://schemas.microsoft.com/office/powerpoint/2010/main" val="885988624"/>
       </p:ext>
     </p:extLst>
   </p:cSld>
@@ -5255,43 +6199,49 @@
             <a:pPr algn="ctr"/>
             <a:r>
               <a:rPr lang="en-US" sz="6600" dirty="0"/>
-              <a:t>Metrics(2/2)</a:t>
-            </a:r>
-          </a:p>
-        </p:txBody>
-      </p:sp>
-      <p:pic>
-        <p:nvPicPr>
-          <p:cNvPr id="10" name="Content Placeholder 9">
-            <a:extLst>
-              <a:ext uri="{FF2B5EF4-FFF2-40B4-BE49-F238E27FC236}">
-                <a16:creationId xmlns:a16="http://schemas.microsoft.com/office/drawing/2014/main" id="{93E25976-40EF-47FA-AD90-5AAA6DA7342F}"/>
-              </a:ext>
-            </a:extLst>
-          </p:cNvPr>
-          <p:cNvPicPr>
-            <a:picLocks noGrp="1" noChangeAspect="1"/>
-          </p:cNvPicPr>
+              <a:t>Metrics(1/2)</a:t>
+            </a:r>
+          </a:p>
+        </p:txBody>
+      </p:sp>
+      <p:sp>
+        <p:nvSpPr>
+          <p:cNvPr id="3" name="Content Placeholder 2">
+            <a:extLst>
+              <a:ext uri="{FF2B5EF4-FFF2-40B4-BE49-F238E27FC236}">
+                <a16:creationId xmlns:a16="http://schemas.microsoft.com/office/drawing/2014/main" id="{9C13F9E0-035E-48FD-9E9D-A80895C7BEE0}"/>
+              </a:ext>
+            </a:extLst>
+          </p:cNvPr>
+          <p:cNvSpPr>
+            <a:spLocks noGrp="1"/>
+          </p:cNvSpPr>
           <p:nvPr>
             <p:ph idx="1"/>
           </p:nvPr>
-        </p:nvPicPr>
-        <p:blipFill>
-          <a:blip r:embed="rId2"/>
-          <a:stretch>
-            <a:fillRect/>
-          </a:stretch>
-        </p:blipFill>
+        </p:nvSpPr>
         <p:spPr>
           <a:xfrm>
-            <a:off x="2721769" y="3209925"/>
-            <a:ext cx="6743700" cy="1343025"/>
+            <a:off x="638881" y="1851381"/>
+            <a:ext cx="10909643" cy="552659"/>
           </a:xfrm>
-          <a:prstGeom prst="rect">
-            <a:avLst/>
-          </a:prstGeom>
         </p:spPr>
-      </p:pic>
+        <p:txBody>
+          <a:bodyPr vert="horz" lIns="91440" tIns="45720" rIns="91440" bIns="45720" rtlCol="0" anchor="ctr">
+            <a:normAutofit/>
+          </a:bodyPr>
+          <a:lstStyle/>
+          <a:p>
+            <a:pPr marL="0" indent="0" algn="ctr">
+              <a:buNone/>
+            </a:pPr>
+            <a:r>
+              <a:rPr lang="en-US" sz="2400" dirty="0"/>
+              <a:t>SVM					LR				Naïve Bayes</a:t>
+            </a:r>
+          </a:p>
+        </p:txBody>
+      </p:sp>
       <p:sp>
         <p:nvSpPr>
           <p:cNvPr id="15" name="sketch line">
@@ -5665,10 +6615,130 @@
           </a:p>
         </p:txBody>
       </p:sp>
+      <p:pic>
+        <p:nvPicPr>
+          <p:cNvPr id="7" name="Picture 6" descr="Chart&#10;&#10;Description automatically generated">
+            <a:extLst>
+              <a:ext uri="{FF2B5EF4-FFF2-40B4-BE49-F238E27FC236}">
+                <a16:creationId xmlns:a16="http://schemas.microsoft.com/office/drawing/2014/main" id="{D88E415D-2F61-43E0-B2F3-C6F165DE5182}"/>
+              </a:ext>
+            </a:extLst>
+          </p:cNvPr>
+          <p:cNvPicPr>
+            <a:picLocks noChangeAspect="1"/>
+          </p:cNvPicPr>
+          <p:nvPr/>
+        </p:nvPicPr>
+        <p:blipFill>
+          <a:blip r:embed="rId2"/>
+          <a:stretch>
+            <a:fillRect/>
+          </a:stretch>
+        </p:blipFill>
+        <p:spPr>
+          <a:xfrm>
+            <a:off x="8799576" y="2653940"/>
+            <a:ext cx="2538028" cy="3600041"/>
+          </a:xfrm>
+          <a:prstGeom prst="rect">
+            <a:avLst/>
+          </a:prstGeom>
+        </p:spPr>
+      </p:pic>
+      <p:pic>
+        <p:nvPicPr>
+          <p:cNvPr id="6" name="Picture 5" descr="Chart, line chart&#10;&#10;Description automatically generated">
+            <a:extLst>
+              <a:ext uri="{FF2B5EF4-FFF2-40B4-BE49-F238E27FC236}">
+                <a16:creationId xmlns:a16="http://schemas.microsoft.com/office/drawing/2014/main" id="{5F6E3E52-6592-4520-9BD8-114E6D7E925A}"/>
+              </a:ext>
+            </a:extLst>
+          </p:cNvPr>
+          <p:cNvPicPr>
+            <a:picLocks noChangeAspect="1"/>
+          </p:cNvPicPr>
+          <p:nvPr/>
+        </p:nvPicPr>
+        <p:blipFill>
+          <a:blip r:embed="rId3"/>
+          <a:stretch>
+            <a:fillRect/>
+          </a:stretch>
+        </p:blipFill>
+        <p:spPr>
+          <a:xfrm>
+            <a:off x="598796" y="2587741"/>
+            <a:ext cx="2601029" cy="3600041"/>
+          </a:xfrm>
+          <a:prstGeom prst="rect">
+            <a:avLst/>
+          </a:prstGeom>
+        </p:spPr>
+      </p:pic>
+      <p:pic>
+        <p:nvPicPr>
+          <p:cNvPr id="8" name="Picture 7" descr="Chart&#10;&#10;Description automatically generated">
+            <a:extLst>
+              <a:ext uri="{FF2B5EF4-FFF2-40B4-BE49-F238E27FC236}">
+                <a16:creationId xmlns:a16="http://schemas.microsoft.com/office/drawing/2014/main" id="{7D1D0243-875B-40BF-A841-80578030F563}"/>
+              </a:ext>
+            </a:extLst>
+          </p:cNvPr>
+          <p:cNvPicPr>
+            <a:picLocks noChangeAspect="1"/>
+          </p:cNvPicPr>
+          <p:nvPr/>
+        </p:nvPicPr>
+        <p:blipFill>
+          <a:blip r:embed="rId4"/>
+          <a:stretch>
+            <a:fillRect/>
+          </a:stretch>
+        </p:blipFill>
+        <p:spPr>
+          <a:xfrm>
+            <a:off x="4725686" y="2587741"/>
+            <a:ext cx="2736030" cy="3600041"/>
+          </a:xfrm>
+          <a:prstGeom prst="rect">
+            <a:avLst/>
+          </a:prstGeom>
+        </p:spPr>
+      </p:pic>
+      <p:pic>
+        <p:nvPicPr>
+          <p:cNvPr id="9" name="Picture 8">
+            <a:extLst>
+              <a:ext uri="{FF2B5EF4-FFF2-40B4-BE49-F238E27FC236}">
+                <a16:creationId xmlns:a16="http://schemas.microsoft.com/office/drawing/2014/main" id="{D3B0F542-128A-48B6-A7C5-EA69F56FD3E7}"/>
+              </a:ext>
+            </a:extLst>
+          </p:cNvPr>
+          <p:cNvPicPr>
+            <a:picLocks noChangeAspect="1"/>
+          </p:cNvPicPr>
+          <p:nvPr/>
+        </p:nvPicPr>
+        <p:blipFill>
+          <a:blip r:embed="rId5"/>
+          <a:stretch>
+            <a:fillRect/>
+          </a:stretch>
+        </p:blipFill>
+        <p:spPr>
+          <a:xfrm>
+            <a:off x="4051173" y="6187782"/>
+            <a:ext cx="3800475" cy="638175"/>
+          </a:xfrm>
+          <a:prstGeom prst="rect">
+            <a:avLst/>
+          </a:prstGeom>
+        </p:spPr>
+      </p:pic>
     </p:spTree>
     <p:extLst>
       <p:ext uri="{BB962C8B-B14F-4D97-AF65-F5344CB8AC3E}">
-        <p14:creationId xmlns:p14="http://schemas.microsoft.com/office/powerpoint/2010/main" val="181589193"/>
+        <p14:creationId xmlns:p14="http://schemas.microsoft.com/office/powerpoint/2010/main" val="2092823903"/>
       </p:ext>
     </p:extLst>
   </p:cSld>
@@ -5681,6 +6751,14 @@
 <file path=ppt/slides/slide8.xml><?xml version="1.0" encoding="utf-8"?>
 <p:sld xmlns:a="http://schemas.openxmlformats.org/drawingml/2006/main" xmlns:r="http://schemas.openxmlformats.org/officeDocument/2006/relationships" xmlns:p="http://schemas.openxmlformats.org/presentationml/2006/main">
   <p:cSld>
+    <p:bg>
+      <p:bgPr>
+        <a:solidFill>
+          <a:schemeClr val="bg1"/>
+        </a:solidFill>
+        <a:effectLst/>
+      </p:bgPr>
+    </p:bg>
     <p:spTree>
       <p:nvGrpSpPr>
         <p:cNvPr id="1" name=""/>
@@ -5695,12 +6773,72 @@
           <a:chExt cx="0" cy="0"/>
         </a:xfrm>
       </p:grpSpPr>
+      <p:sp useBgFill="1">
+        <p:nvSpPr>
+          <p:cNvPr id="16" name="Rectangle 12">
+            <a:extLst>
+              <a:ext uri="{FF2B5EF4-FFF2-40B4-BE49-F238E27FC236}">
+                <a16:creationId xmlns:a16="http://schemas.microsoft.com/office/drawing/2014/main" id="{7C98A213-5994-475E-B327-DC6EC27FBA8B}"/>
+              </a:ext>
+              <a:ext uri="{C183D7F6-B498-43B3-948B-1728B52AA6E4}">
+                <adec:decorative xmlns:adec="http://schemas.microsoft.com/office/drawing/2017/decorative" val="1"/>
+              </a:ext>
+            </a:extLst>
+          </p:cNvPr>
+          <p:cNvSpPr>
+            <a:spLocks noGrp="1" noRot="1" noChangeAspect="1" noMove="1" noResize="1" noEditPoints="1" noAdjustHandles="1" noChangeArrowheads="1" noChangeShapeType="1" noTextEdit="1"/>
+          </p:cNvSpPr>
+          <p:nvPr>
+            <p:extLst>
+              <p:ext uri="{386F3935-93C4-4BCD-93E2-E3B085C9AB24}">
+                <p16:designElem xmlns:p16="http://schemas.microsoft.com/office/powerpoint/2015/main" val="1"/>
+              </p:ext>
+            </p:extLst>
+          </p:nvPr>
+        </p:nvSpPr>
+        <p:spPr>
+          <a:xfrm>
+            <a:off x="0" y="0"/>
+            <a:ext cx="12188952" cy="6858000"/>
+          </a:xfrm>
+          <a:prstGeom prst="rect">
+            <a:avLst/>
+          </a:prstGeom>
+          <a:ln>
+            <a:noFill/>
+          </a:ln>
+        </p:spPr>
+        <p:style>
+          <a:lnRef idx="2">
+            <a:schemeClr val="accent1">
+              <a:shade val="50000"/>
+            </a:schemeClr>
+          </a:lnRef>
+          <a:fillRef idx="1">
+            <a:schemeClr val="accent1"/>
+          </a:fillRef>
+          <a:effectRef idx="0">
+            <a:schemeClr val="accent1"/>
+          </a:effectRef>
+          <a:fontRef idx="minor">
+            <a:schemeClr val="lt1"/>
+          </a:fontRef>
+        </p:style>
+        <p:txBody>
+          <a:bodyPr rtlCol="0" anchor="ctr"/>
+          <a:lstStyle/>
+          <a:p>
+            <a:pPr algn="ctr"/>
+            <a:endParaRPr lang="en-US"/>
+          </a:p>
+        </p:txBody>
+      </p:sp>
       <p:sp>
         <p:nvSpPr>
           <p:cNvPr id="2" name="Title 1">
             <a:extLst>
               <a:ext uri="{FF2B5EF4-FFF2-40B4-BE49-F238E27FC236}">
-                <a16:creationId xmlns:a16="http://schemas.microsoft.com/office/drawing/2014/main" id="{4ED679CA-5A12-41FE-9002-EAC5F49160F0}"/>
+                <a16:creationId xmlns:a16="http://schemas.microsoft.com/office/drawing/2014/main" id="{3F27516B-EE18-49DA-8B13-34432AB7A7A9}"/>
               </a:ext>
             </a:extLst>
           </p:cNvPr>
@@ -5711,100 +6849,41 @@
             <p:ph type="title"/>
           </p:nvPr>
         </p:nvSpPr>
-        <p:spPr/>
-        <p:txBody>
-          <a:bodyPr/>
+        <p:spPr>
+          <a:xfrm>
+            <a:off x="638881" y="670218"/>
+            <a:ext cx="10909640" cy="1065836"/>
+          </a:xfrm>
+        </p:spPr>
+        <p:txBody>
+          <a:bodyPr vert="horz" lIns="91440" tIns="45720" rIns="91440" bIns="45720" rtlCol="0" anchor="ctr">
+            <a:normAutofit/>
+          </a:bodyPr>
           <a:lstStyle/>
           <a:p>
-            <a:r>
-              <a:rPr lang="el-GR" dirty="0"/>
-              <a:t>Χρόνοι κατά το </a:t>
-            </a:r>
-            <a:r>
-              <a:rPr lang="en-US" dirty="0"/>
-              <a:t>Prediction</a:t>
-            </a:r>
-          </a:p>
-        </p:txBody>
-      </p:sp>
-      <p:sp>
-        <p:nvSpPr>
-          <p:cNvPr id="3" name="Content Placeholder 2">
-            <a:extLst>
-              <a:ext uri="{FF2B5EF4-FFF2-40B4-BE49-F238E27FC236}">
-                <a16:creationId xmlns:a16="http://schemas.microsoft.com/office/drawing/2014/main" id="{86D2E48D-74C5-450A-B1DA-56BED9943077}"/>
-              </a:ext>
-            </a:extLst>
-          </p:cNvPr>
-          <p:cNvSpPr>
-            <a:spLocks noGrp="1"/>
-          </p:cNvSpPr>
-          <p:nvPr>
-            <p:ph idx="1"/>
-          </p:nvPr>
-        </p:nvSpPr>
-        <p:spPr/>
-        <p:txBody>
-          <a:bodyPr/>
-          <a:lstStyle/>
-          <a:p>
-            <a:pPr marL="0" indent="0">
-              <a:buNone/>
-            </a:pPr>
-            <a:r>
-              <a:rPr lang="el-GR" dirty="0"/>
-              <a:t>Πραγματοποιήθηκε διαδικασία </a:t>
-            </a:r>
-            <a:r>
-              <a:rPr lang="en-US" dirty="0"/>
-              <a:t>prediction </a:t>
-            </a:r>
-            <a:r>
-              <a:rPr lang="el-GR" dirty="0"/>
-              <a:t>στα </a:t>
-            </a:r>
-            <a:r>
-              <a:rPr lang="en-US" dirty="0"/>
-              <a:t>unknown Data</a:t>
-            </a:r>
-            <a:r>
-              <a:rPr lang="el-GR" dirty="0"/>
-              <a:t>.</a:t>
-            </a:r>
-          </a:p>
-          <a:p>
-            <a:r>
-              <a:rPr lang="en-US" dirty="0"/>
-              <a:t>SVM Duration: 6.2 seconds</a:t>
-            </a:r>
-          </a:p>
-          <a:p>
-            <a:r>
-              <a:rPr lang="en-US" dirty="0"/>
-              <a:t>LR Duration: 0.00092 seconds</a:t>
-            </a:r>
-          </a:p>
-          <a:p>
-            <a:r>
-              <a:rPr lang="en-US" dirty="0"/>
-              <a:t>Naïve Bayes Duration: 0.0010 seconds</a:t>
+            <a:pPr algn="ctr"/>
+            <a:r>
+              <a:rPr lang="en-US" sz="6600" dirty="0"/>
+              <a:t>Metrics(2/2)</a:t>
             </a:r>
           </a:p>
         </p:txBody>
       </p:sp>
       <p:pic>
         <p:nvPicPr>
-          <p:cNvPr id="7" name="Picture 6">
-            <a:extLst>
-              <a:ext uri="{FF2B5EF4-FFF2-40B4-BE49-F238E27FC236}">
-                <a16:creationId xmlns:a16="http://schemas.microsoft.com/office/drawing/2014/main" id="{627C2AE0-1317-41E2-A92F-501B5E40C6AF}"/>
+          <p:cNvPr id="10" name="Content Placeholder 9">
+            <a:extLst>
+              <a:ext uri="{FF2B5EF4-FFF2-40B4-BE49-F238E27FC236}">
+                <a16:creationId xmlns:a16="http://schemas.microsoft.com/office/drawing/2014/main" id="{93E25976-40EF-47FA-AD90-5AAA6DA7342F}"/>
               </a:ext>
             </a:extLst>
           </p:cNvPr>
           <p:cNvPicPr>
-            <a:picLocks noChangeAspect="1"/>
+            <a:picLocks noGrp="1" noChangeAspect="1"/>
           </p:cNvPicPr>
-          <p:nvPr/>
+          <p:nvPr>
+            <p:ph idx="1"/>
+          </p:nvPr>
         </p:nvPicPr>
         <p:blipFill>
           <a:blip r:embed="rId2"/>
@@ -5814,8 +6893,674 @@
         </p:blipFill>
         <p:spPr>
           <a:xfrm>
-            <a:off x="3711606" y="4001294"/>
-            <a:ext cx="3415484" cy="2075155"/>
+            <a:off x="2579726" y="5198523"/>
+            <a:ext cx="6743700" cy="1343025"/>
+          </a:xfrm>
+          <a:prstGeom prst="rect">
+            <a:avLst/>
+          </a:prstGeom>
+        </p:spPr>
+      </p:pic>
+      <p:sp>
+        <p:nvSpPr>
+          <p:cNvPr id="15" name="sketch line">
+            <a:extLst>
+              <a:ext uri="{FF2B5EF4-FFF2-40B4-BE49-F238E27FC236}">
+                <a16:creationId xmlns:a16="http://schemas.microsoft.com/office/drawing/2014/main" id="{4B030A0D-0DAD-4A99-89BB-419527D6A64B}"/>
+              </a:ext>
+              <a:ext uri="{C183D7F6-B498-43B3-948B-1728B52AA6E4}">
+                <adec:decorative xmlns:adec="http://schemas.microsoft.com/office/drawing/2017/decorative" val="1"/>
+              </a:ext>
+            </a:extLst>
+          </p:cNvPr>
+          <p:cNvSpPr>
+            <a:spLocks noGrp="1" noRot="1" noChangeAspect="1" noMove="1" noResize="1" noEditPoints="1" noAdjustHandles="1" noChangeArrowheads="1" noChangeShapeType="1" noTextEdit="1"/>
+          </p:cNvSpPr>
+          <p:nvPr>
+            <p:extLst>
+              <p:ext uri="{386F3935-93C4-4BCD-93E2-E3B085C9AB24}">
+                <p16:designElem xmlns:p16="http://schemas.microsoft.com/office/powerpoint/2015/main" val="1"/>
+              </p:ext>
+            </p:extLst>
+          </p:nvPr>
+        </p:nvSpPr>
+        <p:spPr>
+          <a:xfrm>
+            <a:off x="3389376" y="1800088"/>
+            <a:ext cx="5410200" cy="18288"/>
+          </a:xfrm>
+          <a:custGeom>
+            <a:avLst/>
+            <a:gdLst>
+              <a:gd name="connsiteX0" fmla="*/ 0 w 5410200"/>
+              <a:gd name="connsiteY0" fmla="*/ 0 h 18288"/>
+              <a:gd name="connsiteX1" fmla="*/ 568071 w 5410200"/>
+              <a:gd name="connsiteY1" fmla="*/ 0 h 18288"/>
+              <a:gd name="connsiteX2" fmla="*/ 1298448 w 5410200"/>
+              <a:gd name="connsiteY2" fmla="*/ 0 h 18288"/>
+              <a:gd name="connsiteX3" fmla="*/ 1920621 w 5410200"/>
+              <a:gd name="connsiteY3" fmla="*/ 0 h 18288"/>
+              <a:gd name="connsiteX4" fmla="*/ 2488692 w 5410200"/>
+              <a:gd name="connsiteY4" fmla="*/ 0 h 18288"/>
+              <a:gd name="connsiteX5" fmla="*/ 3219069 w 5410200"/>
+              <a:gd name="connsiteY5" fmla="*/ 0 h 18288"/>
+              <a:gd name="connsiteX6" fmla="*/ 3895344 w 5410200"/>
+              <a:gd name="connsiteY6" fmla="*/ 0 h 18288"/>
+              <a:gd name="connsiteX7" fmla="*/ 4571619 w 5410200"/>
+              <a:gd name="connsiteY7" fmla="*/ 0 h 18288"/>
+              <a:gd name="connsiteX8" fmla="*/ 5410200 w 5410200"/>
+              <a:gd name="connsiteY8" fmla="*/ 0 h 18288"/>
+              <a:gd name="connsiteX9" fmla="*/ 5410200 w 5410200"/>
+              <a:gd name="connsiteY9" fmla="*/ 18288 h 18288"/>
+              <a:gd name="connsiteX10" fmla="*/ 4842129 w 5410200"/>
+              <a:gd name="connsiteY10" fmla="*/ 18288 h 18288"/>
+              <a:gd name="connsiteX11" fmla="*/ 4328160 w 5410200"/>
+              <a:gd name="connsiteY11" fmla="*/ 18288 h 18288"/>
+              <a:gd name="connsiteX12" fmla="*/ 3597783 w 5410200"/>
+              <a:gd name="connsiteY12" fmla="*/ 18288 h 18288"/>
+              <a:gd name="connsiteX13" fmla="*/ 3029712 w 5410200"/>
+              <a:gd name="connsiteY13" fmla="*/ 18288 h 18288"/>
+              <a:gd name="connsiteX14" fmla="*/ 2299335 w 5410200"/>
+              <a:gd name="connsiteY14" fmla="*/ 18288 h 18288"/>
+              <a:gd name="connsiteX15" fmla="*/ 1514856 w 5410200"/>
+              <a:gd name="connsiteY15" fmla="*/ 18288 h 18288"/>
+              <a:gd name="connsiteX16" fmla="*/ 892683 w 5410200"/>
+              <a:gd name="connsiteY16" fmla="*/ 18288 h 18288"/>
+              <a:gd name="connsiteX17" fmla="*/ 0 w 5410200"/>
+              <a:gd name="connsiteY17" fmla="*/ 18288 h 18288"/>
+              <a:gd name="connsiteX18" fmla="*/ 0 w 5410200"/>
+              <a:gd name="connsiteY18" fmla="*/ 0 h 18288"/>
+            </a:gdLst>
+            <a:ahLst/>
+            <a:cxnLst>
+              <a:cxn ang="0">
+                <a:pos x="connsiteX0" y="connsiteY0"/>
+              </a:cxn>
+              <a:cxn ang="0">
+                <a:pos x="connsiteX1" y="connsiteY1"/>
+              </a:cxn>
+              <a:cxn ang="0">
+                <a:pos x="connsiteX2" y="connsiteY2"/>
+              </a:cxn>
+              <a:cxn ang="0">
+                <a:pos x="connsiteX3" y="connsiteY3"/>
+              </a:cxn>
+              <a:cxn ang="0">
+                <a:pos x="connsiteX4" y="connsiteY4"/>
+              </a:cxn>
+              <a:cxn ang="0">
+                <a:pos x="connsiteX5" y="connsiteY5"/>
+              </a:cxn>
+              <a:cxn ang="0">
+                <a:pos x="connsiteX6" y="connsiteY6"/>
+              </a:cxn>
+              <a:cxn ang="0">
+                <a:pos x="connsiteX7" y="connsiteY7"/>
+              </a:cxn>
+              <a:cxn ang="0">
+                <a:pos x="connsiteX8" y="connsiteY8"/>
+              </a:cxn>
+              <a:cxn ang="0">
+                <a:pos x="connsiteX9" y="connsiteY9"/>
+              </a:cxn>
+              <a:cxn ang="0">
+                <a:pos x="connsiteX10" y="connsiteY10"/>
+              </a:cxn>
+              <a:cxn ang="0">
+                <a:pos x="connsiteX11" y="connsiteY11"/>
+              </a:cxn>
+              <a:cxn ang="0">
+                <a:pos x="connsiteX12" y="connsiteY12"/>
+              </a:cxn>
+              <a:cxn ang="0">
+                <a:pos x="connsiteX13" y="connsiteY13"/>
+              </a:cxn>
+              <a:cxn ang="0">
+                <a:pos x="connsiteX14" y="connsiteY14"/>
+              </a:cxn>
+              <a:cxn ang="0">
+                <a:pos x="connsiteX15" y="connsiteY15"/>
+              </a:cxn>
+              <a:cxn ang="0">
+                <a:pos x="connsiteX16" y="connsiteY16"/>
+              </a:cxn>
+              <a:cxn ang="0">
+                <a:pos x="connsiteX17" y="connsiteY17"/>
+              </a:cxn>
+              <a:cxn ang="0">
+                <a:pos x="connsiteX18" y="connsiteY18"/>
+              </a:cxn>
+            </a:cxnLst>
+            <a:rect l="l" t="t" r="r" b="b"/>
+            <a:pathLst>
+              <a:path w="5410200" h="18288" fill="none" extrusionOk="0">
+                <a:moveTo>
+                  <a:pt x="0" y="0"/>
+                </a:moveTo>
+                <a:cubicBezTo>
+                  <a:pt x="163050" y="-18707"/>
+                  <a:pt x="319321" y="-16364"/>
+                  <a:pt x="568071" y="0"/>
+                </a:cubicBezTo>
+                <a:cubicBezTo>
+                  <a:pt x="816821" y="16364"/>
+                  <a:pt x="1013224" y="-7268"/>
+                  <a:pt x="1298448" y="0"/>
+                </a:cubicBezTo>
+                <a:cubicBezTo>
+                  <a:pt x="1583672" y="7268"/>
+                  <a:pt x="1631711" y="-3367"/>
+                  <a:pt x="1920621" y="0"/>
+                </a:cubicBezTo>
+                <a:cubicBezTo>
+                  <a:pt x="2209531" y="3367"/>
+                  <a:pt x="2364420" y="-19184"/>
+                  <a:pt x="2488692" y="0"/>
+                </a:cubicBezTo>
+                <a:cubicBezTo>
+                  <a:pt x="2612964" y="19184"/>
+                  <a:pt x="3023298" y="-34627"/>
+                  <a:pt x="3219069" y="0"/>
+                </a:cubicBezTo>
+                <a:cubicBezTo>
+                  <a:pt x="3414840" y="34627"/>
+                  <a:pt x="3656810" y="24043"/>
+                  <a:pt x="3895344" y="0"/>
+                </a:cubicBezTo>
+                <a:cubicBezTo>
+                  <a:pt x="4133879" y="-24043"/>
+                  <a:pt x="4393984" y="-19577"/>
+                  <a:pt x="4571619" y="0"/>
+                </a:cubicBezTo>
+                <a:cubicBezTo>
+                  <a:pt x="4749255" y="19577"/>
+                  <a:pt x="5179928" y="-6281"/>
+                  <a:pt x="5410200" y="0"/>
+                </a:cubicBezTo>
+                <a:cubicBezTo>
+                  <a:pt x="5410730" y="6954"/>
+                  <a:pt x="5410934" y="12839"/>
+                  <a:pt x="5410200" y="18288"/>
+                </a:cubicBezTo>
+                <a:cubicBezTo>
+                  <a:pt x="5139060" y="6751"/>
+                  <a:pt x="5121593" y="31035"/>
+                  <a:pt x="4842129" y="18288"/>
+                </a:cubicBezTo>
+                <a:cubicBezTo>
+                  <a:pt x="4562665" y="5541"/>
+                  <a:pt x="4448273" y="9487"/>
+                  <a:pt x="4328160" y="18288"/>
+                </a:cubicBezTo>
+                <a:cubicBezTo>
+                  <a:pt x="4208047" y="27089"/>
+                  <a:pt x="3760936" y="22567"/>
+                  <a:pt x="3597783" y="18288"/>
+                </a:cubicBezTo>
+                <a:cubicBezTo>
+                  <a:pt x="3434630" y="14009"/>
+                  <a:pt x="3299718" y="33213"/>
+                  <a:pt x="3029712" y="18288"/>
+                </a:cubicBezTo>
+                <a:cubicBezTo>
+                  <a:pt x="2759706" y="3363"/>
+                  <a:pt x="2640159" y="27394"/>
+                  <a:pt x="2299335" y="18288"/>
+                </a:cubicBezTo>
+                <a:cubicBezTo>
+                  <a:pt x="1958511" y="9182"/>
+                  <a:pt x="1801186" y="28985"/>
+                  <a:pt x="1514856" y="18288"/>
+                </a:cubicBezTo>
+                <a:cubicBezTo>
+                  <a:pt x="1228526" y="7591"/>
+                  <a:pt x="1063509" y="-5305"/>
+                  <a:pt x="892683" y="18288"/>
+                </a:cubicBezTo>
+                <a:cubicBezTo>
+                  <a:pt x="721857" y="41881"/>
+                  <a:pt x="186945" y="-20897"/>
+                  <a:pt x="0" y="18288"/>
+                </a:cubicBezTo>
+                <a:cubicBezTo>
+                  <a:pt x="-570" y="9279"/>
+                  <a:pt x="132" y="5100"/>
+                  <a:pt x="0" y="0"/>
+                </a:cubicBezTo>
+                <a:close/>
+              </a:path>
+              <a:path w="5410200" h="18288" stroke="0" extrusionOk="0">
+                <a:moveTo>
+                  <a:pt x="0" y="0"/>
+                </a:moveTo>
+                <a:cubicBezTo>
+                  <a:pt x="285096" y="-4925"/>
+                  <a:pt x="376456" y="22268"/>
+                  <a:pt x="622173" y="0"/>
+                </a:cubicBezTo>
+                <a:cubicBezTo>
+                  <a:pt x="867890" y="-22268"/>
+                  <a:pt x="1031392" y="7228"/>
+                  <a:pt x="1136142" y="0"/>
+                </a:cubicBezTo>
+                <a:cubicBezTo>
+                  <a:pt x="1240892" y="-7228"/>
+                  <a:pt x="1561853" y="9877"/>
+                  <a:pt x="1920621" y="0"/>
+                </a:cubicBezTo>
+                <a:cubicBezTo>
+                  <a:pt x="2279389" y="-9877"/>
+                  <a:pt x="2367255" y="19546"/>
+                  <a:pt x="2542794" y="0"/>
+                </a:cubicBezTo>
+                <a:cubicBezTo>
+                  <a:pt x="2718333" y="-19546"/>
+                  <a:pt x="2866732" y="-22226"/>
+                  <a:pt x="3164967" y="0"/>
+                </a:cubicBezTo>
+                <a:cubicBezTo>
+                  <a:pt x="3463202" y="22226"/>
+                  <a:pt x="3568055" y="-2765"/>
+                  <a:pt x="3949446" y="0"/>
+                </a:cubicBezTo>
+                <a:cubicBezTo>
+                  <a:pt x="4330837" y="2765"/>
+                  <a:pt x="4287895" y="10557"/>
+                  <a:pt x="4517517" y="0"/>
+                </a:cubicBezTo>
+                <a:cubicBezTo>
+                  <a:pt x="4747139" y="-10557"/>
+                  <a:pt x="5149588" y="8716"/>
+                  <a:pt x="5410200" y="0"/>
+                </a:cubicBezTo>
+                <a:cubicBezTo>
+                  <a:pt x="5409517" y="5414"/>
+                  <a:pt x="5409480" y="12510"/>
+                  <a:pt x="5410200" y="18288"/>
+                </a:cubicBezTo>
+                <a:cubicBezTo>
+                  <a:pt x="5163327" y="41494"/>
+                  <a:pt x="5008749" y="10693"/>
+                  <a:pt x="4842129" y="18288"/>
+                </a:cubicBezTo>
+                <a:cubicBezTo>
+                  <a:pt x="4675509" y="25883"/>
+                  <a:pt x="4433401" y="-615"/>
+                  <a:pt x="4165854" y="18288"/>
+                </a:cubicBezTo>
+                <a:cubicBezTo>
+                  <a:pt x="3898308" y="37191"/>
+                  <a:pt x="3809032" y="-8710"/>
+                  <a:pt x="3543681" y="18288"/>
+                </a:cubicBezTo>
+                <a:cubicBezTo>
+                  <a:pt x="3278330" y="45286"/>
+                  <a:pt x="3073876" y="-15917"/>
+                  <a:pt x="2759202" y="18288"/>
+                </a:cubicBezTo>
+                <a:cubicBezTo>
+                  <a:pt x="2444528" y="52493"/>
+                  <a:pt x="2204144" y="3372"/>
+                  <a:pt x="1974723" y="18288"/>
+                </a:cubicBezTo>
+                <a:cubicBezTo>
+                  <a:pt x="1745302" y="33204"/>
+                  <a:pt x="1602335" y="31490"/>
+                  <a:pt x="1406652" y="18288"/>
+                </a:cubicBezTo>
+                <a:cubicBezTo>
+                  <a:pt x="1210969" y="5086"/>
+                  <a:pt x="923948" y="3161"/>
+                  <a:pt x="730377" y="18288"/>
+                </a:cubicBezTo>
+                <a:cubicBezTo>
+                  <a:pt x="536806" y="33415"/>
+                  <a:pt x="336496" y="-141"/>
+                  <a:pt x="0" y="18288"/>
+                </a:cubicBezTo>
+                <a:cubicBezTo>
+                  <a:pt x="-306" y="11061"/>
+                  <a:pt x="-655" y="7751"/>
+                  <a:pt x="0" y="0"/>
+                </a:cubicBezTo>
+                <a:close/>
+              </a:path>
+            </a:pathLst>
+          </a:custGeom>
+          <a:solidFill>
+            <a:schemeClr val="accent2"/>
+          </a:solidFill>
+          <a:ln w="41275" cap="rnd">
+            <a:solidFill>
+              <a:schemeClr val="accent2"/>
+            </a:solidFill>
+            <a:round/>
+            <a:extLst>
+              <a:ext uri="{C807C97D-BFC1-408E-A445-0C87EB9F89A2}">
+                <ask:lineSketchStyleProps xmlns:ask="http://schemas.microsoft.com/office/drawing/2018/sketchyshapes" sd="1219033472">
+                  <a:prstGeom prst="rect">
+                    <a:avLst/>
+                  </a:prstGeom>
+                  <ask:type>
+                    <ask:lineSketchFreehand/>
+                  </ask:type>
+                </ask:lineSketchStyleProps>
+              </a:ext>
+            </a:extLst>
+          </a:ln>
+        </p:spPr>
+        <p:style>
+          <a:lnRef idx="2">
+            <a:schemeClr val="accent1">
+              <a:shade val="50000"/>
+            </a:schemeClr>
+          </a:lnRef>
+          <a:fillRef idx="1">
+            <a:schemeClr val="accent1"/>
+          </a:fillRef>
+          <a:effectRef idx="0">
+            <a:schemeClr val="accent1"/>
+          </a:effectRef>
+          <a:fontRef idx="minor">
+            <a:schemeClr val="lt1"/>
+          </a:fontRef>
+        </p:style>
+        <p:txBody>
+          <a:bodyPr rtlCol="0" anchor="ctr"/>
+          <a:lstStyle/>
+          <a:p>
+            <a:pPr algn="ctr"/>
+            <a:endParaRPr lang="en-US"/>
+          </a:p>
+        </p:txBody>
+      </p:sp>
+      <p:sp>
+        <p:nvSpPr>
+          <p:cNvPr id="6" name="Content Placeholder 2">
+            <a:extLst>
+              <a:ext uri="{FF2B5EF4-FFF2-40B4-BE49-F238E27FC236}">
+                <a16:creationId xmlns:a16="http://schemas.microsoft.com/office/drawing/2014/main" id="{012771F0-1199-4CBF-A085-E52EB34F28CE}"/>
+              </a:ext>
+            </a:extLst>
+          </p:cNvPr>
+          <p:cNvSpPr txBox="1">
+            <a:spLocks/>
+          </p:cNvSpPr>
+          <p:nvPr/>
+        </p:nvSpPr>
+        <p:spPr>
+          <a:xfrm>
+            <a:off x="638881" y="1851381"/>
+            <a:ext cx="10909643" cy="552659"/>
+          </a:xfrm>
+          <a:prstGeom prst="rect">
+            <a:avLst/>
+          </a:prstGeom>
+        </p:spPr>
+        <p:txBody>
+          <a:bodyPr vert="horz" lIns="91440" tIns="45720" rIns="91440" bIns="45720" rtlCol="0" anchor="ctr">
+            <a:normAutofit/>
+          </a:bodyPr>
+          <a:lstStyle>
+            <a:lvl1pPr marL="228600" indent="-228600" algn="l" defTabSz="914400" rtl="0" eaLnBrk="1" latinLnBrk="0" hangingPunct="1">
+              <a:lnSpc>
+                <a:spcPct val="90000"/>
+              </a:lnSpc>
+              <a:spcBef>
+                <a:spcPts val="1000"/>
+              </a:spcBef>
+              <a:buFont typeface="Arial" panose="020B0604020202020204" pitchFamily="34" charset="0"/>
+              <a:buChar char="•"/>
+              <a:defRPr sz="2800" kern="1200">
+                <a:solidFill>
+                  <a:schemeClr val="tx1"/>
+                </a:solidFill>
+                <a:latin typeface="+mn-lt"/>
+                <a:ea typeface="+mn-ea"/>
+                <a:cs typeface="+mn-cs"/>
+              </a:defRPr>
+            </a:lvl1pPr>
+            <a:lvl2pPr marL="685800" indent="-228600" algn="l" defTabSz="914400" rtl="0" eaLnBrk="1" latinLnBrk="0" hangingPunct="1">
+              <a:lnSpc>
+                <a:spcPct val="90000"/>
+              </a:lnSpc>
+              <a:spcBef>
+                <a:spcPts val="500"/>
+              </a:spcBef>
+              <a:buFont typeface="Arial" panose="020B0604020202020204" pitchFamily="34" charset="0"/>
+              <a:buChar char="•"/>
+              <a:defRPr sz="2400" kern="1200">
+                <a:solidFill>
+                  <a:schemeClr val="tx1"/>
+                </a:solidFill>
+                <a:latin typeface="+mn-lt"/>
+                <a:ea typeface="+mn-ea"/>
+                <a:cs typeface="+mn-cs"/>
+              </a:defRPr>
+            </a:lvl2pPr>
+            <a:lvl3pPr marL="1143000" indent="-228600" algn="l" defTabSz="914400" rtl="0" eaLnBrk="1" latinLnBrk="0" hangingPunct="1">
+              <a:lnSpc>
+                <a:spcPct val="90000"/>
+              </a:lnSpc>
+              <a:spcBef>
+                <a:spcPts val="500"/>
+              </a:spcBef>
+              <a:buFont typeface="Arial" panose="020B0604020202020204" pitchFamily="34" charset="0"/>
+              <a:buChar char="•"/>
+              <a:defRPr sz="2000" kern="1200">
+                <a:solidFill>
+                  <a:schemeClr val="tx1"/>
+                </a:solidFill>
+                <a:latin typeface="+mn-lt"/>
+                <a:ea typeface="+mn-ea"/>
+                <a:cs typeface="+mn-cs"/>
+              </a:defRPr>
+            </a:lvl3pPr>
+            <a:lvl4pPr marL="1600200" indent="-228600" algn="l" defTabSz="914400" rtl="0" eaLnBrk="1" latinLnBrk="0" hangingPunct="1">
+              <a:lnSpc>
+                <a:spcPct val="90000"/>
+              </a:lnSpc>
+              <a:spcBef>
+                <a:spcPts val="500"/>
+              </a:spcBef>
+              <a:buFont typeface="Arial" panose="020B0604020202020204" pitchFamily="34" charset="0"/>
+              <a:buChar char="•"/>
+              <a:defRPr sz="1800" kern="1200">
+                <a:solidFill>
+                  <a:schemeClr val="tx1"/>
+                </a:solidFill>
+                <a:latin typeface="+mn-lt"/>
+                <a:ea typeface="+mn-ea"/>
+                <a:cs typeface="+mn-cs"/>
+              </a:defRPr>
+            </a:lvl4pPr>
+            <a:lvl5pPr marL="2057400" indent="-228600" algn="l" defTabSz="914400" rtl="0" eaLnBrk="1" latinLnBrk="0" hangingPunct="1">
+              <a:lnSpc>
+                <a:spcPct val="90000"/>
+              </a:lnSpc>
+              <a:spcBef>
+                <a:spcPts val="500"/>
+              </a:spcBef>
+              <a:buFont typeface="Arial" panose="020B0604020202020204" pitchFamily="34" charset="0"/>
+              <a:buChar char="•"/>
+              <a:defRPr sz="1800" kern="1200">
+                <a:solidFill>
+                  <a:schemeClr val="tx1"/>
+                </a:solidFill>
+                <a:latin typeface="+mn-lt"/>
+                <a:ea typeface="+mn-ea"/>
+                <a:cs typeface="+mn-cs"/>
+              </a:defRPr>
+            </a:lvl5pPr>
+            <a:lvl6pPr marL="2514600" indent="-228600" algn="l" defTabSz="914400" rtl="0" eaLnBrk="1" latinLnBrk="0" hangingPunct="1">
+              <a:lnSpc>
+                <a:spcPct val="90000"/>
+              </a:lnSpc>
+              <a:spcBef>
+                <a:spcPts val="500"/>
+              </a:spcBef>
+              <a:buFont typeface="Arial" panose="020B0604020202020204" pitchFamily="34" charset="0"/>
+              <a:buChar char="•"/>
+              <a:defRPr sz="1800" kern="1200">
+                <a:solidFill>
+                  <a:schemeClr val="tx1"/>
+                </a:solidFill>
+                <a:latin typeface="+mn-lt"/>
+                <a:ea typeface="+mn-ea"/>
+                <a:cs typeface="+mn-cs"/>
+              </a:defRPr>
+            </a:lvl6pPr>
+            <a:lvl7pPr marL="2971800" indent="-228600" algn="l" defTabSz="914400" rtl="0" eaLnBrk="1" latinLnBrk="0" hangingPunct="1">
+              <a:lnSpc>
+                <a:spcPct val="90000"/>
+              </a:lnSpc>
+              <a:spcBef>
+                <a:spcPts val="500"/>
+              </a:spcBef>
+              <a:buFont typeface="Arial" panose="020B0604020202020204" pitchFamily="34" charset="0"/>
+              <a:buChar char="•"/>
+              <a:defRPr sz="1800" kern="1200">
+                <a:solidFill>
+                  <a:schemeClr val="tx1"/>
+                </a:solidFill>
+                <a:latin typeface="+mn-lt"/>
+                <a:ea typeface="+mn-ea"/>
+                <a:cs typeface="+mn-cs"/>
+              </a:defRPr>
+            </a:lvl7pPr>
+            <a:lvl8pPr marL="3429000" indent="-228600" algn="l" defTabSz="914400" rtl="0" eaLnBrk="1" latinLnBrk="0" hangingPunct="1">
+              <a:lnSpc>
+                <a:spcPct val="90000"/>
+              </a:lnSpc>
+              <a:spcBef>
+                <a:spcPts val="500"/>
+              </a:spcBef>
+              <a:buFont typeface="Arial" panose="020B0604020202020204" pitchFamily="34" charset="0"/>
+              <a:buChar char="•"/>
+              <a:defRPr sz="1800" kern="1200">
+                <a:solidFill>
+                  <a:schemeClr val="tx1"/>
+                </a:solidFill>
+                <a:latin typeface="+mn-lt"/>
+                <a:ea typeface="+mn-ea"/>
+                <a:cs typeface="+mn-cs"/>
+              </a:defRPr>
+            </a:lvl8pPr>
+            <a:lvl9pPr marL="3886200" indent="-228600" algn="l" defTabSz="914400" rtl="0" eaLnBrk="1" latinLnBrk="0" hangingPunct="1">
+              <a:lnSpc>
+                <a:spcPct val="90000"/>
+              </a:lnSpc>
+              <a:spcBef>
+                <a:spcPts val="500"/>
+              </a:spcBef>
+              <a:buFont typeface="Arial" panose="020B0604020202020204" pitchFamily="34" charset="0"/>
+              <a:buChar char="•"/>
+              <a:defRPr sz="1800" kern="1200">
+                <a:solidFill>
+                  <a:schemeClr val="tx1"/>
+                </a:solidFill>
+                <a:latin typeface="+mn-lt"/>
+                <a:ea typeface="+mn-ea"/>
+                <a:cs typeface="+mn-cs"/>
+              </a:defRPr>
+            </a:lvl9pPr>
+          </a:lstStyle>
+          <a:p>
+            <a:pPr marL="0" indent="0" algn="ctr">
+              <a:buFont typeface="Arial" panose="020B0604020202020204" pitchFamily="34" charset="0"/>
+              <a:buNone/>
+            </a:pPr>
+            <a:r>
+              <a:rPr lang="en-US" sz="2400" dirty="0"/>
+              <a:t>SVM					LR				Naïve Bayes</a:t>
+            </a:r>
+          </a:p>
+        </p:txBody>
+      </p:sp>
+      <p:pic>
+        <p:nvPicPr>
+          <p:cNvPr id="7" name="Picture 6">
+            <a:extLst>
+              <a:ext uri="{FF2B5EF4-FFF2-40B4-BE49-F238E27FC236}">
+                <a16:creationId xmlns:a16="http://schemas.microsoft.com/office/drawing/2014/main" id="{57C0590D-1345-4142-A8FB-3E7FAB85F623}"/>
+              </a:ext>
+            </a:extLst>
+          </p:cNvPr>
+          <p:cNvPicPr>
+            <a:picLocks noChangeAspect="1"/>
+          </p:cNvPicPr>
+          <p:nvPr/>
+        </p:nvPicPr>
+        <p:blipFill>
+          <a:blip r:embed="rId3"/>
+          <a:stretch>
+            <a:fillRect/>
+          </a:stretch>
+        </p:blipFill>
+        <p:spPr>
+          <a:xfrm>
+            <a:off x="8601664" y="2750471"/>
+            <a:ext cx="3587067" cy="1504950"/>
+          </a:xfrm>
+          <a:prstGeom prst="rect">
+            <a:avLst/>
+          </a:prstGeom>
+        </p:spPr>
+      </p:pic>
+      <p:pic>
+        <p:nvPicPr>
+          <p:cNvPr id="8" name="Picture 7">
+            <a:extLst>
+              <a:ext uri="{FF2B5EF4-FFF2-40B4-BE49-F238E27FC236}">
+                <a16:creationId xmlns:a16="http://schemas.microsoft.com/office/drawing/2014/main" id="{5F1B4342-260D-416E-81F1-25F4131FC681}"/>
+              </a:ext>
+            </a:extLst>
+          </p:cNvPr>
+          <p:cNvPicPr>
+            <a:picLocks noChangeAspect="1"/>
+          </p:cNvPicPr>
+          <p:nvPr/>
+        </p:nvPicPr>
+        <p:blipFill>
+          <a:blip r:embed="rId4"/>
+          <a:stretch>
+            <a:fillRect/>
+          </a:stretch>
+        </p:blipFill>
+        <p:spPr>
+          <a:xfrm>
+            <a:off x="59999" y="2761478"/>
+            <a:ext cx="3952875" cy="1533525"/>
+          </a:xfrm>
+          <a:prstGeom prst="rect">
+            <a:avLst/>
+          </a:prstGeom>
+        </p:spPr>
+      </p:pic>
+      <p:pic>
+        <p:nvPicPr>
+          <p:cNvPr id="9" name="Picture 8">
+            <a:extLst>
+              <a:ext uri="{FF2B5EF4-FFF2-40B4-BE49-F238E27FC236}">
+                <a16:creationId xmlns:a16="http://schemas.microsoft.com/office/drawing/2014/main" id="{0BAC565C-CF93-42E7-BADF-D30120A3107E}"/>
+              </a:ext>
+            </a:extLst>
+          </p:cNvPr>
+          <p:cNvPicPr>
+            <a:picLocks noChangeAspect="1"/>
+          </p:cNvPicPr>
+          <p:nvPr/>
+        </p:nvPicPr>
+        <p:blipFill>
+          <a:blip r:embed="rId5"/>
+          <a:stretch>
+            <a:fillRect/>
+          </a:stretch>
+        </p:blipFill>
+        <p:spPr>
+          <a:xfrm>
+            <a:off x="4383316" y="2790052"/>
+            <a:ext cx="3990975" cy="1476375"/>
           </a:xfrm>
           <a:prstGeom prst="rect">
             <a:avLst/>
@@ -5825,7 +7570,7 @@
     </p:spTree>
     <p:extLst>
       <p:ext uri="{BB962C8B-B14F-4D97-AF65-F5344CB8AC3E}">
-        <p14:creationId xmlns:p14="http://schemas.microsoft.com/office/powerpoint/2010/main" val="3912879917"/>
+        <p14:creationId xmlns:p14="http://schemas.microsoft.com/office/powerpoint/2010/main" val="181589193"/>
       </p:ext>
     </p:extLst>
   </p:cSld>
@@ -5857,7 +7602,7 @@
           <p:cNvPr id="2" name="Title 1">
             <a:extLst>
               <a:ext uri="{FF2B5EF4-FFF2-40B4-BE49-F238E27FC236}">
-                <a16:creationId xmlns:a16="http://schemas.microsoft.com/office/drawing/2014/main" id="{F01F9041-12FB-4F86-BD17-68E98051F60B}"/>
+                <a16:creationId xmlns:a16="http://schemas.microsoft.com/office/drawing/2014/main" id="{4ED679CA-5A12-41FE-9002-EAC5F49160F0}"/>
               </a:ext>
             </a:extLst>
           </p:cNvPr>
@@ -5873,7 +7618,14 @@
           <a:bodyPr/>
           <a:lstStyle/>
           <a:p>
-            <a:endParaRPr lang="en-US"/>
+            <a:r>
+              <a:rPr lang="el-GR" dirty="0"/>
+              <a:t>Χρόνοι κατά το </a:t>
+            </a:r>
+            <a:r>
+              <a:rPr lang="en-US" dirty="0"/>
+              <a:t>Prediction</a:t>
+            </a:r>
           </a:p>
         </p:txBody>
       </p:sp>
@@ -5882,7 +7634,7 @@
           <p:cNvPr id="3" name="Content Placeholder 2">
             <a:extLst>
               <a:ext uri="{FF2B5EF4-FFF2-40B4-BE49-F238E27FC236}">
-                <a16:creationId xmlns:a16="http://schemas.microsoft.com/office/drawing/2014/main" id="{2D9BFDA0-2BA4-4DA7-BE5B-9EA6045B4B7D}"/>
+                <a16:creationId xmlns:a16="http://schemas.microsoft.com/office/drawing/2014/main" id="{86D2E48D-74C5-450A-B1DA-56BED9943077}"/>
               </a:ext>
             </a:extLst>
           </p:cNvPr>
@@ -5898,14 +7650,84 @@
           <a:bodyPr/>
           <a:lstStyle/>
           <a:p>
-            <a:endParaRPr lang="en-US"/>
-          </a:p>
-        </p:txBody>
-      </p:sp>
+            <a:pPr marL="0" indent="0">
+              <a:buNone/>
+            </a:pPr>
+            <a:r>
+              <a:rPr lang="el-GR" dirty="0"/>
+              <a:t>Πραγματοποιήθηκε διαδικασία </a:t>
+            </a:r>
+            <a:r>
+              <a:rPr lang="en-US" dirty="0"/>
+              <a:t>prediction </a:t>
+            </a:r>
+            <a:r>
+              <a:rPr lang="el-GR" dirty="0"/>
+              <a:t>στα </a:t>
+            </a:r>
+            <a:r>
+              <a:rPr lang="en-US" dirty="0"/>
+              <a:t>unknown Data</a:t>
+            </a:r>
+            <a:r>
+              <a:rPr lang="el-GR" dirty="0"/>
+              <a:t>.</a:t>
+            </a:r>
+          </a:p>
+          <a:p>
+            <a:r>
+              <a:rPr lang="en-US" dirty="0"/>
+              <a:t>SVM Duration: 6.2 seconds</a:t>
+            </a:r>
+          </a:p>
+          <a:p>
+            <a:r>
+              <a:rPr lang="en-US" dirty="0"/>
+              <a:t>LR Duration: 0.00092 seconds</a:t>
+            </a:r>
+          </a:p>
+          <a:p>
+            <a:r>
+              <a:rPr lang="en-US" dirty="0"/>
+              <a:t>Naïve Bayes Duration: 0.0010 seconds</a:t>
+            </a:r>
+          </a:p>
+        </p:txBody>
+      </p:sp>
+      <p:pic>
+        <p:nvPicPr>
+          <p:cNvPr id="7" name="Picture 6">
+            <a:extLst>
+              <a:ext uri="{FF2B5EF4-FFF2-40B4-BE49-F238E27FC236}">
+                <a16:creationId xmlns:a16="http://schemas.microsoft.com/office/drawing/2014/main" id="{627C2AE0-1317-41E2-A92F-501B5E40C6AF}"/>
+              </a:ext>
+            </a:extLst>
+          </p:cNvPr>
+          <p:cNvPicPr>
+            <a:picLocks noChangeAspect="1"/>
+          </p:cNvPicPr>
+          <p:nvPr/>
+        </p:nvPicPr>
+        <p:blipFill>
+          <a:blip r:embed="rId2"/>
+          <a:stretch>
+            <a:fillRect/>
+          </a:stretch>
+        </p:blipFill>
+        <p:spPr>
+          <a:xfrm>
+            <a:off x="3711606" y="4001294"/>
+            <a:ext cx="3415484" cy="2075155"/>
+          </a:xfrm>
+          <a:prstGeom prst="rect">
+            <a:avLst/>
+          </a:prstGeom>
+        </p:spPr>
+      </p:pic>
     </p:spTree>
     <p:extLst>
       <p:ext uri="{BB962C8B-B14F-4D97-AF65-F5344CB8AC3E}">
-        <p14:creationId xmlns:p14="http://schemas.microsoft.com/office/powerpoint/2010/main" val="1194241846"/>
+        <p14:creationId xmlns:p14="http://schemas.microsoft.com/office/powerpoint/2010/main" val="3912879917"/>
       </p:ext>
     </p:extLst>
   </p:cSld>

--- a/Presentation.pptx
+++ b/Presentation.pptx
@@ -3502,7 +3502,7 @@
           <a:lstStyle/>
           <a:p>
             <a:r>
-              <a:rPr lang="en-US" dirty="0"/>
+              <a:rPr lang="en-US" sz="1800" dirty="0"/>
               <a:t>T-SNE: </a:t>
             </a:r>
           </a:p>
@@ -3512,7 +3512,7 @@
               <a:buAutoNum type="arabicPeriod"/>
             </a:pPr>
             <a:r>
-              <a:rPr lang="el-GR" dirty="0"/>
+              <a:rPr lang="el-GR" sz="1800" dirty="0"/>
               <a:t>Χρησιμοποιεί ευκλείδεια απόσταση σημείων.</a:t>
             </a:r>
           </a:p>
@@ -3522,19 +3522,19 @@
               <a:buAutoNum type="arabicPeriod"/>
             </a:pPr>
             <a:r>
-              <a:rPr lang="el-GR" dirty="0"/>
+              <a:rPr lang="el-GR" sz="1800" dirty="0"/>
               <a:t>Διατηρεί τις συσχετίσεις των σημείων. Δηλαδή αν το Α συσχετίζεται με το Β στο </a:t>
             </a:r>
             <a:r>
-              <a:rPr lang="en-US" dirty="0"/>
+              <a:rPr lang="en-US" sz="1800" dirty="0"/>
               <a:t>high Dimensional space </a:t>
             </a:r>
             <a:r>
-              <a:rPr lang="el-GR" dirty="0"/>
+              <a:rPr lang="el-GR" sz="1800" dirty="0"/>
               <a:t>το ίδιο θα ισχύει και στο </a:t>
             </a:r>
             <a:r>
-              <a:rPr lang="en-US" dirty="0"/>
+              <a:rPr lang="en-US" sz="1800" dirty="0"/>
               <a:t>low Dimensional. </a:t>
             </a:r>
           </a:p>
@@ -3544,8 +3544,27 @@
               <a:buAutoNum type="arabicPeriod"/>
             </a:pPr>
             <a:r>
-              <a:rPr lang="el-GR" dirty="0"/>
+              <a:rPr lang="el-GR" sz="1800" dirty="0"/>
               <a:t>Κάνει και για μη-γραμμικά χωρισμένα σημεία.</a:t>
+            </a:r>
+            <a:endParaRPr lang="en-US" sz="1800" dirty="0"/>
+          </a:p>
+          <a:p>
+            <a:pPr marL="914400" lvl="1" indent="-457200">
+              <a:buFont typeface="+mj-lt"/>
+              <a:buAutoNum type="arabicPeriod"/>
+            </a:pPr>
+            <a:r>
+              <a:rPr lang="el-GR" sz="1800" dirty="0"/>
+              <a:t>Αυτή η μέθοδος βρίσκει την πιθανότητα ένα </a:t>
+            </a:r>
+            <a:r>
+              <a:rPr lang="en-US" sz="1800" dirty="0"/>
+              <a:t>Feature </a:t>
+            </a:r>
+            <a:r>
+              <a:rPr lang="el-GR" sz="1800" dirty="0"/>
+              <a:t>να διαλέξει κάποιο άλλο σαν γείτονα. </a:t>
             </a:r>
           </a:p>
           <a:p>
@@ -3586,7 +3605,7 @@
         </p:blipFill>
         <p:spPr>
           <a:xfrm>
-            <a:off x="2101975" y="3796237"/>
+            <a:off x="1778473" y="3767956"/>
             <a:ext cx="8257981" cy="2624018"/>
           </a:xfrm>
           <a:prstGeom prst="rect">
